--- a/ppt/04-01.pptx
+++ b/ppt/04-01.pptx
@@ -8,6 +8,15 @@
     <p:sldId id="257" r:id="rId2"/>
     <p:sldId id="259" r:id="rId3"/>
     <p:sldId id="261" r:id="rId4"/>
+    <p:sldId id="262" r:id="rId5"/>
+    <p:sldId id="263" r:id="rId6"/>
+    <p:sldId id="264" r:id="rId7"/>
+    <p:sldId id="265" r:id="rId8"/>
+    <p:sldId id="266" r:id="rId9"/>
+    <p:sldId id="267" r:id="rId10"/>
+    <p:sldId id="268" r:id="rId11"/>
+    <p:sldId id="269" r:id="rId12"/>
+    <p:sldId id="270" r:id="rId13"/>
   </p:sldIdLst>
   <p:sldSz cx="12192000" cy="6858000"/>
   <p:notesSz cx="6858000" cy="9144000"/>
@@ -3142,6 +3151,545 @@
 </p:sld>
 </file>
 
+<file path=ppt/slides/slide10.xml><?xml version="1.0" encoding="utf-8"?>
+<p:sld xmlns:a="http://schemas.openxmlformats.org/drawingml/2006/main" xmlns:r="http://schemas.openxmlformats.org/officeDocument/2006/relationships" xmlns:p="http://schemas.openxmlformats.org/presentationml/2006/main">
+  <p:cSld>
+    <p:spTree>
+      <p:nvGrpSpPr>
+        <p:cNvPr id="1" name=""/>
+        <p:cNvGrpSpPr/>
+        <p:nvPr/>
+      </p:nvGrpSpPr>
+      <p:grpSpPr>
+        <a:xfrm>
+          <a:off x="0" y="0"/>
+          <a:ext cx="0" cy="0"/>
+          <a:chOff x="0" y="0"/>
+          <a:chExt cx="0" cy="0"/>
+        </a:xfrm>
+      </p:grpSpPr>
+      <p:sp>
+        <p:nvSpPr>
+          <p:cNvPr id="10" name="TextBox 9"/>
+          <p:cNvSpPr txBox="1"/>
+          <p:nvPr/>
+        </p:nvSpPr>
+        <p:spPr>
+          <a:xfrm>
+            <a:off x="814318" y="325000"/>
+            <a:ext cx="1872629" cy="369332"/>
+          </a:xfrm>
+          <a:prstGeom prst="rect">
+            <a:avLst/>
+          </a:prstGeom>
+          <a:noFill/>
+        </p:spPr>
+        <p:txBody>
+          <a:bodyPr wrap="none" rtlCol="0">
+            <a:spAutoFit/>
+          </a:bodyPr>
+          <a:lstStyle/>
+          <a:p>
+            <a:r>
+              <a:rPr lang="en-US" altLang="ko-KR" dirty="0"/>
+              <a:t>UI-SJN-70-002L</a:t>
+            </a:r>
+            <a:endParaRPr lang="en-US" altLang="ko-KR" dirty="0"/>
+          </a:p>
+        </p:txBody>
+      </p:sp>
+      <p:pic>
+        <p:nvPicPr>
+          <p:cNvPr id="2" name="그림 1"/>
+          <p:cNvPicPr>
+            <a:picLocks noChangeAspect="1"/>
+          </p:cNvPicPr>
+          <p:nvPr/>
+        </p:nvPicPr>
+        <p:blipFill>
+          <a:blip r:embed="rId2"/>
+          <a:stretch>
+            <a:fillRect/>
+          </a:stretch>
+        </p:blipFill>
+        <p:spPr>
+          <a:xfrm>
+            <a:off x="814318" y="1360038"/>
+            <a:ext cx="4143953" cy="4572638"/>
+          </a:xfrm>
+          <a:prstGeom prst="rect">
+            <a:avLst/>
+          </a:prstGeom>
+        </p:spPr>
+      </p:pic>
+      <p:cxnSp>
+        <p:nvCxnSpPr>
+          <p:cNvPr id="5" name="직선 화살표 연결선 4"/>
+          <p:cNvCxnSpPr/>
+          <p:nvPr/>
+        </p:nvCxnSpPr>
+        <p:spPr>
+          <a:xfrm flipH="1">
+            <a:off x="3829987" y="2173574"/>
+            <a:ext cx="1798820" cy="0"/>
+          </a:xfrm>
+          <a:prstGeom prst="straightConnector1">
+            <a:avLst/>
+          </a:prstGeom>
+          <a:ln>
+            <a:tailEnd type="triangle"/>
+          </a:ln>
+        </p:spPr>
+        <p:style>
+          <a:lnRef idx="1">
+            <a:schemeClr val="accent1"/>
+          </a:lnRef>
+          <a:fillRef idx="0">
+            <a:schemeClr val="accent1"/>
+          </a:fillRef>
+          <a:effectRef idx="0">
+            <a:schemeClr val="accent1"/>
+          </a:effectRef>
+          <a:fontRef idx="minor">
+            <a:schemeClr val="tx1"/>
+          </a:fontRef>
+        </p:style>
+      </p:cxnSp>
+      <p:sp>
+        <p:nvSpPr>
+          <p:cNvPr id="11" name="TextBox 10"/>
+          <p:cNvSpPr txBox="1"/>
+          <p:nvPr/>
+        </p:nvSpPr>
+        <p:spPr>
+          <a:xfrm>
+            <a:off x="5628807" y="1986631"/>
+            <a:ext cx="2082621" cy="373885"/>
+          </a:xfrm>
+          <a:prstGeom prst="rect">
+            <a:avLst/>
+          </a:prstGeom>
+          <a:noFill/>
+        </p:spPr>
+        <p:txBody>
+          <a:bodyPr wrap="none" rtlCol="0">
+            <a:spAutoFit/>
+          </a:bodyPr>
+          <a:lstStyle/>
+          <a:p>
+            <a:pPr>
+              <a:lnSpc>
+                <a:spcPct val="150000"/>
+              </a:lnSpc>
+            </a:pPr>
+            <a:r>
+              <a:rPr lang="ko-KR" altLang="en-US" sz="1400" dirty="0" smtClean="0"/>
+              <a:t>텍스트로 변경됐습니다</a:t>
+            </a:r>
+            <a:r>
+              <a:rPr lang="en-US" altLang="ko-KR" sz="1400" dirty="0" smtClean="0"/>
+              <a:t>.</a:t>
+            </a:r>
+          </a:p>
+        </p:txBody>
+      </p:sp>
+    </p:spTree>
+    <p:extLst>
+      <p:ext uri="{BB962C8B-B14F-4D97-AF65-F5344CB8AC3E}">
+        <p14:creationId xmlns:p14="http://schemas.microsoft.com/office/powerpoint/2010/main" val="2058653570"/>
+      </p:ext>
+    </p:extLst>
+  </p:cSld>
+  <p:clrMapOvr>
+    <a:masterClrMapping/>
+  </p:clrMapOvr>
+</p:sld>
+</file>
+
+<file path=ppt/slides/slide11.xml><?xml version="1.0" encoding="utf-8"?>
+<p:sld xmlns:a="http://schemas.openxmlformats.org/drawingml/2006/main" xmlns:r="http://schemas.openxmlformats.org/officeDocument/2006/relationships" xmlns:p="http://schemas.openxmlformats.org/presentationml/2006/main">
+  <p:cSld>
+    <p:spTree>
+      <p:nvGrpSpPr>
+        <p:cNvPr id="1" name=""/>
+        <p:cNvGrpSpPr/>
+        <p:nvPr/>
+      </p:nvGrpSpPr>
+      <p:grpSpPr>
+        <a:xfrm>
+          <a:off x="0" y="0"/>
+          <a:ext cx="0" cy="0"/>
+          <a:chOff x="0" y="0"/>
+          <a:chExt cx="0" cy="0"/>
+        </a:xfrm>
+      </p:grpSpPr>
+      <p:sp>
+        <p:nvSpPr>
+          <p:cNvPr id="10" name="TextBox 9"/>
+          <p:cNvSpPr txBox="1"/>
+          <p:nvPr/>
+        </p:nvSpPr>
+        <p:spPr>
+          <a:xfrm>
+            <a:off x="814318" y="325000"/>
+            <a:ext cx="1872629" cy="369332"/>
+          </a:xfrm>
+          <a:prstGeom prst="rect">
+            <a:avLst/>
+          </a:prstGeom>
+          <a:noFill/>
+        </p:spPr>
+        <p:txBody>
+          <a:bodyPr wrap="none" rtlCol="0">
+            <a:spAutoFit/>
+          </a:bodyPr>
+          <a:lstStyle/>
+          <a:p>
+            <a:r>
+              <a:rPr lang="en-US" altLang="ko-KR" dirty="0"/>
+              <a:t>UI-SJN-35-001L</a:t>
+            </a:r>
+            <a:endParaRPr lang="en-US" altLang="ko-KR" dirty="0"/>
+          </a:p>
+        </p:txBody>
+      </p:sp>
+      <p:sp>
+        <p:nvSpPr>
+          <p:cNvPr id="11" name="TextBox 10"/>
+          <p:cNvSpPr txBox="1"/>
+          <p:nvPr/>
+        </p:nvSpPr>
+        <p:spPr>
+          <a:xfrm>
+            <a:off x="3882453" y="1049743"/>
+            <a:ext cx="2347117" cy="415498"/>
+          </a:xfrm>
+          <a:prstGeom prst="rect">
+            <a:avLst/>
+          </a:prstGeom>
+          <a:noFill/>
+        </p:spPr>
+        <p:txBody>
+          <a:bodyPr wrap="none" rtlCol="0">
+            <a:spAutoFit/>
+          </a:bodyPr>
+          <a:lstStyle/>
+          <a:p>
+            <a:pPr>
+              <a:lnSpc>
+                <a:spcPct val="150000"/>
+              </a:lnSpc>
+            </a:pPr>
+            <a:r>
+              <a:rPr lang="ko-KR" altLang="en-US" sz="1400" dirty="0" smtClean="0"/>
+              <a:t>현재위치 주변 깜빡임 삭제</a:t>
+            </a:r>
+            <a:endParaRPr lang="en-US" altLang="ko-KR" sz="1400" dirty="0" smtClean="0"/>
+          </a:p>
+        </p:txBody>
+      </p:sp>
+      <p:pic>
+        <p:nvPicPr>
+          <p:cNvPr id="3" name="그림 2"/>
+          <p:cNvPicPr>
+            <a:picLocks noChangeAspect="1"/>
+          </p:cNvPicPr>
+          <p:nvPr/>
+        </p:nvPicPr>
+        <p:blipFill>
+          <a:blip r:embed="rId2"/>
+          <a:stretch>
+            <a:fillRect/>
+          </a:stretch>
+        </p:blipFill>
+        <p:spPr>
+          <a:xfrm>
+            <a:off x="814318" y="911687"/>
+            <a:ext cx="2506003" cy="5888825"/>
+          </a:xfrm>
+          <a:prstGeom prst="rect">
+            <a:avLst/>
+          </a:prstGeom>
+        </p:spPr>
+      </p:pic>
+      <p:sp>
+        <p:nvSpPr>
+          <p:cNvPr id="7" name="TextBox 6"/>
+          <p:cNvSpPr txBox="1"/>
+          <p:nvPr/>
+        </p:nvSpPr>
+        <p:spPr>
+          <a:xfrm>
+            <a:off x="3882453" y="5366911"/>
+            <a:ext cx="1144865" cy="415498"/>
+          </a:xfrm>
+          <a:prstGeom prst="rect">
+            <a:avLst/>
+          </a:prstGeom>
+          <a:noFill/>
+        </p:spPr>
+        <p:txBody>
+          <a:bodyPr wrap="none" rtlCol="0">
+            <a:spAutoFit/>
+          </a:bodyPr>
+          <a:lstStyle/>
+          <a:p>
+            <a:pPr>
+              <a:lnSpc>
+                <a:spcPct val="150000"/>
+              </a:lnSpc>
+            </a:pPr>
+            <a:r>
+              <a:rPr lang="ko-KR" altLang="en-US" sz="1400" dirty="0" smtClean="0"/>
+              <a:t>배경색 삭제</a:t>
+            </a:r>
+            <a:endParaRPr lang="en-US" altLang="ko-KR" sz="1400" dirty="0" smtClean="0"/>
+          </a:p>
+        </p:txBody>
+      </p:sp>
+      <p:cxnSp>
+        <p:nvCxnSpPr>
+          <p:cNvPr id="6" name="직선 화살표 연결선 5"/>
+          <p:cNvCxnSpPr>
+            <a:stCxn id="11" idx="1"/>
+          </p:cNvCxnSpPr>
+          <p:nvPr/>
+        </p:nvCxnSpPr>
+        <p:spPr>
+          <a:xfrm flipH="1">
+            <a:off x="2780675" y="1257492"/>
+            <a:ext cx="1101778" cy="0"/>
+          </a:xfrm>
+          <a:prstGeom prst="straightConnector1">
+            <a:avLst/>
+          </a:prstGeom>
+          <a:ln>
+            <a:tailEnd type="triangle"/>
+          </a:ln>
+        </p:spPr>
+        <p:style>
+          <a:lnRef idx="1">
+            <a:schemeClr val="accent1"/>
+          </a:lnRef>
+          <a:fillRef idx="0">
+            <a:schemeClr val="accent1"/>
+          </a:fillRef>
+          <a:effectRef idx="0">
+            <a:schemeClr val="accent1"/>
+          </a:effectRef>
+          <a:fontRef idx="minor">
+            <a:schemeClr val="tx1"/>
+          </a:fontRef>
+        </p:style>
+      </p:cxnSp>
+      <p:cxnSp>
+        <p:nvCxnSpPr>
+          <p:cNvPr id="9" name="직선 화살표 연결선 8"/>
+          <p:cNvCxnSpPr/>
+          <p:nvPr/>
+        </p:nvCxnSpPr>
+        <p:spPr>
+          <a:xfrm flipH="1">
+            <a:off x="2848131" y="5574660"/>
+            <a:ext cx="906905" cy="0"/>
+          </a:xfrm>
+          <a:prstGeom prst="straightConnector1">
+            <a:avLst/>
+          </a:prstGeom>
+          <a:ln>
+            <a:tailEnd type="triangle"/>
+          </a:ln>
+        </p:spPr>
+        <p:style>
+          <a:lnRef idx="1">
+            <a:schemeClr val="accent1"/>
+          </a:lnRef>
+          <a:fillRef idx="0">
+            <a:schemeClr val="accent1"/>
+          </a:fillRef>
+          <a:effectRef idx="0">
+            <a:schemeClr val="accent1"/>
+          </a:effectRef>
+          <a:fontRef idx="minor">
+            <a:schemeClr val="tx1"/>
+          </a:fontRef>
+        </p:style>
+      </p:cxnSp>
+    </p:spTree>
+    <p:extLst>
+      <p:ext uri="{BB962C8B-B14F-4D97-AF65-F5344CB8AC3E}">
+        <p14:creationId xmlns:p14="http://schemas.microsoft.com/office/powerpoint/2010/main" val="443932332"/>
+      </p:ext>
+    </p:extLst>
+  </p:cSld>
+  <p:clrMapOvr>
+    <a:masterClrMapping/>
+  </p:clrMapOvr>
+</p:sld>
+</file>
+
+<file path=ppt/slides/slide12.xml><?xml version="1.0" encoding="utf-8"?>
+<p:sld xmlns:a="http://schemas.openxmlformats.org/drawingml/2006/main" xmlns:r="http://schemas.openxmlformats.org/officeDocument/2006/relationships" xmlns:p="http://schemas.openxmlformats.org/presentationml/2006/main">
+  <p:cSld>
+    <p:spTree>
+      <p:nvGrpSpPr>
+        <p:cNvPr id="1" name=""/>
+        <p:cNvGrpSpPr/>
+        <p:nvPr/>
+      </p:nvGrpSpPr>
+      <p:grpSpPr>
+        <a:xfrm>
+          <a:off x="0" y="0"/>
+          <a:ext cx="0" cy="0"/>
+          <a:chOff x="0" y="0"/>
+          <a:chExt cx="0" cy="0"/>
+        </a:xfrm>
+      </p:grpSpPr>
+      <p:sp>
+        <p:nvSpPr>
+          <p:cNvPr id="10" name="TextBox 9"/>
+          <p:cNvSpPr txBox="1"/>
+          <p:nvPr/>
+        </p:nvSpPr>
+        <p:spPr>
+          <a:xfrm>
+            <a:off x="814318" y="325000"/>
+            <a:ext cx="1872629" cy="369332"/>
+          </a:xfrm>
+          <a:prstGeom prst="rect">
+            <a:avLst/>
+          </a:prstGeom>
+          <a:noFill/>
+        </p:spPr>
+        <p:txBody>
+          <a:bodyPr wrap="none" rtlCol="0">
+            <a:spAutoFit/>
+          </a:bodyPr>
+          <a:lstStyle/>
+          <a:p>
+            <a:r>
+              <a:rPr lang="en-US" altLang="ko-KR" dirty="0"/>
+              <a:t>UI-SJN-24-001L</a:t>
+            </a:r>
+            <a:endParaRPr lang="en-US" altLang="ko-KR" dirty="0"/>
+          </a:p>
+        </p:txBody>
+      </p:sp>
+      <p:pic>
+        <p:nvPicPr>
+          <p:cNvPr id="2" name="그림 1"/>
+          <p:cNvPicPr>
+            <a:picLocks noChangeAspect="1"/>
+          </p:cNvPicPr>
+          <p:nvPr/>
+        </p:nvPicPr>
+        <p:blipFill>
+          <a:blip r:embed="rId2"/>
+          <a:stretch>
+            <a:fillRect/>
+          </a:stretch>
+        </p:blipFill>
+        <p:spPr>
+          <a:xfrm>
+            <a:off x="711338" y="1344687"/>
+            <a:ext cx="4353533" cy="3029373"/>
+          </a:xfrm>
+          <a:prstGeom prst="rect">
+            <a:avLst/>
+          </a:prstGeom>
+        </p:spPr>
+      </p:pic>
+      <p:sp>
+        <p:nvSpPr>
+          <p:cNvPr id="4" name="TextBox 3"/>
+          <p:cNvSpPr txBox="1"/>
+          <p:nvPr/>
+        </p:nvSpPr>
+        <p:spPr>
+          <a:xfrm>
+            <a:off x="6078512" y="2405921"/>
+            <a:ext cx="3594254" cy="369332"/>
+          </a:xfrm>
+          <a:prstGeom prst="rect">
+            <a:avLst/>
+          </a:prstGeom>
+          <a:noFill/>
+        </p:spPr>
+        <p:txBody>
+          <a:bodyPr wrap="none" rtlCol="0">
+            <a:spAutoFit/>
+          </a:bodyPr>
+          <a:lstStyle/>
+          <a:p>
+            <a:r>
+              <a:rPr lang="ko-KR" altLang="en-US" dirty="0" smtClean="0">
+                <a:solidFill>
+                  <a:srgbClr val="FF0000"/>
+                </a:solidFill>
+              </a:rPr>
+              <a:t>줌으로 사이즈 줄인 메뉴 작업 중</a:t>
+            </a:r>
+            <a:endParaRPr lang="ko-KR" altLang="en-US" dirty="0">
+              <a:solidFill>
+                <a:srgbClr val="FF0000"/>
+              </a:solidFill>
+            </a:endParaRPr>
+          </a:p>
+        </p:txBody>
+      </p:sp>
+      <p:sp>
+        <p:nvSpPr>
+          <p:cNvPr id="5" name="직사각형 4"/>
+          <p:cNvSpPr/>
+          <p:nvPr/>
+        </p:nvSpPr>
+        <p:spPr>
+          <a:xfrm>
+            <a:off x="2465882" y="3252866"/>
+            <a:ext cx="5299023" cy="1881265"/>
+          </a:xfrm>
+          <a:prstGeom prst="rect">
+            <a:avLst/>
+          </a:prstGeom>
+        </p:spPr>
+        <p:style>
+          <a:lnRef idx="2">
+            <a:schemeClr val="accent1">
+              <a:shade val="50000"/>
+            </a:schemeClr>
+          </a:lnRef>
+          <a:fillRef idx="1">
+            <a:schemeClr val="accent1"/>
+          </a:fillRef>
+          <a:effectRef idx="0">
+            <a:schemeClr val="accent1"/>
+          </a:effectRef>
+          <a:fontRef idx="minor">
+            <a:schemeClr val="lt1"/>
+          </a:fontRef>
+        </p:style>
+        <p:txBody>
+          <a:bodyPr rtlCol="0" anchor="ctr"/>
+          <a:lstStyle/>
+          <a:p>
+            <a:pPr algn="ctr"/>
+            <a:endParaRPr lang="ko-KR" altLang="en-US"/>
+          </a:p>
+        </p:txBody>
+      </p:sp>
+    </p:spTree>
+    <p:extLst>
+      <p:ext uri="{BB962C8B-B14F-4D97-AF65-F5344CB8AC3E}">
+        <p14:creationId xmlns:p14="http://schemas.microsoft.com/office/powerpoint/2010/main" val="725298409"/>
+      </p:ext>
+    </p:extLst>
+  </p:cSld>
+  <p:clrMapOvr>
+    <a:masterClrMapping/>
+  </p:clrMapOvr>
+</p:sld>
+</file>
+
 <file path=ppt/slides/slide2.xml><?xml version="1.0" encoding="utf-8"?>
 <p:sld xmlns:a="http://schemas.openxmlformats.org/drawingml/2006/main" xmlns:r="http://schemas.openxmlformats.org/officeDocument/2006/relationships" xmlns:p="http://schemas.openxmlformats.org/presentationml/2006/main">
   <p:cSld>
@@ -3351,6 +3899,50 @@
               <a:t>공통</a:t>
             </a:r>
             <a:endParaRPr lang="ko-KR" altLang="en-US" sz="1400" dirty="0"/>
+          </a:p>
+        </p:txBody>
+      </p:sp>
+      <p:sp>
+        <p:nvSpPr>
+          <p:cNvPr id="2" name="직사각형 1"/>
+          <p:cNvSpPr/>
+          <p:nvPr/>
+        </p:nvSpPr>
+        <p:spPr>
+          <a:xfrm>
+            <a:off x="2098623" y="1404579"/>
+            <a:ext cx="6962931" cy="4459574"/>
+          </a:xfrm>
+          <a:prstGeom prst="rect">
+            <a:avLst/>
+          </a:prstGeom>
+        </p:spPr>
+        <p:style>
+          <a:lnRef idx="2">
+            <a:schemeClr val="accent1">
+              <a:shade val="50000"/>
+            </a:schemeClr>
+          </a:lnRef>
+          <a:fillRef idx="1">
+            <a:schemeClr val="accent1"/>
+          </a:fillRef>
+          <a:effectRef idx="0">
+            <a:schemeClr val="accent1"/>
+          </a:effectRef>
+          <a:fontRef idx="minor">
+            <a:schemeClr val="lt1"/>
+          </a:fontRef>
+        </p:style>
+        <p:txBody>
+          <a:bodyPr rtlCol="0" anchor="ctr"/>
+          <a:lstStyle/>
+          <a:p>
+            <a:pPr algn="ctr"/>
+            <a:r>
+              <a:rPr lang="ko-KR" altLang="en-US" sz="18000" smtClean="0"/>
+              <a:t>폐기</a:t>
+            </a:r>
+            <a:endParaRPr lang="ko-KR" altLang="en-US" sz="18000"/>
           </a:p>
         </p:txBody>
       </p:sp>
@@ -3496,6 +4088,1719 @@
     <p:extLst>
       <p:ext uri="{BB962C8B-B14F-4D97-AF65-F5344CB8AC3E}">
         <p14:creationId xmlns:p14="http://schemas.microsoft.com/office/powerpoint/2010/main" val="727382471"/>
+      </p:ext>
+    </p:extLst>
+  </p:cSld>
+  <p:clrMapOvr>
+    <a:masterClrMapping/>
+  </p:clrMapOvr>
+</p:sld>
+</file>
+
+<file path=ppt/slides/slide4.xml><?xml version="1.0" encoding="utf-8"?>
+<p:sld xmlns:a="http://schemas.openxmlformats.org/drawingml/2006/main" xmlns:r="http://schemas.openxmlformats.org/officeDocument/2006/relationships" xmlns:p="http://schemas.openxmlformats.org/presentationml/2006/main">
+  <p:cSld>
+    <p:spTree>
+      <p:nvGrpSpPr>
+        <p:cNvPr id="1" name=""/>
+        <p:cNvGrpSpPr/>
+        <p:nvPr/>
+      </p:nvGrpSpPr>
+      <p:grpSpPr>
+        <a:xfrm>
+          <a:off x="0" y="0"/>
+          <a:ext cx="0" cy="0"/>
+          <a:chOff x="0" y="0"/>
+          <a:chExt cx="0" cy="0"/>
+        </a:xfrm>
+      </p:grpSpPr>
+      <p:sp>
+        <p:nvSpPr>
+          <p:cNvPr id="6" name="TextBox 5"/>
+          <p:cNvSpPr txBox="1"/>
+          <p:nvPr/>
+        </p:nvSpPr>
+        <p:spPr>
+          <a:xfrm>
+            <a:off x="814318" y="325000"/>
+            <a:ext cx="1923925" cy="369332"/>
+          </a:xfrm>
+          <a:prstGeom prst="rect">
+            <a:avLst/>
+          </a:prstGeom>
+          <a:noFill/>
+        </p:spPr>
+        <p:txBody>
+          <a:bodyPr wrap="none" rtlCol="0">
+            <a:spAutoFit/>
+          </a:bodyPr>
+          <a:lstStyle/>
+          <a:p>
+            <a:r>
+              <a:rPr lang="en-US" altLang="ko-KR" dirty="0" smtClean="0"/>
+              <a:t>UI-SJN-01-001U</a:t>
+            </a:r>
+            <a:endParaRPr lang="ko-KR" altLang="en-US" dirty="0"/>
+          </a:p>
+        </p:txBody>
+      </p:sp>
+      <p:pic>
+        <p:nvPicPr>
+          <p:cNvPr id="2" name="그림 1"/>
+          <p:cNvPicPr>
+            <a:picLocks noChangeAspect="1"/>
+          </p:cNvPicPr>
+          <p:nvPr/>
+        </p:nvPicPr>
+        <p:blipFill>
+          <a:blip r:embed="rId2"/>
+          <a:stretch>
+            <a:fillRect/>
+          </a:stretch>
+        </p:blipFill>
+        <p:spPr>
+          <a:xfrm>
+            <a:off x="494670" y="1028027"/>
+            <a:ext cx="3500364" cy="2942569"/>
+          </a:xfrm>
+          <a:prstGeom prst="rect">
+            <a:avLst/>
+          </a:prstGeom>
+        </p:spPr>
+      </p:pic>
+      <p:pic>
+        <p:nvPicPr>
+          <p:cNvPr id="4" name="그림 3"/>
+          <p:cNvPicPr>
+            <a:picLocks noChangeAspect="1"/>
+          </p:cNvPicPr>
+          <p:nvPr/>
+        </p:nvPicPr>
+        <p:blipFill>
+          <a:blip r:embed="rId3"/>
+          <a:stretch>
+            <a:fillRect/>
+          </a:stretch>
+        </p:blipFill>
+        <p:spPr>
+          <a:xfrm>
+            <a:off x="7591752" y="1069301"/>
+            <a:ext cx="4248743" cy="2762636"/>
+          </a:xfrm>
+          <a:prstGeom prst="rect">
+            <a:avLst/>
+          </a:prstGeom>
+        </p:spPr>
+      </p:pic>
+      <p:cxnSp>
+        <p:nvCxnSpPr>
+          <p:cNvPr id="8" name="직선 화살표 연결선 7"/>
+          <p:cNvCxnSpPr/>
+          <p:nvPr/>
+        </p:nvCxnSpPr>
+        <p:spPr>
+          <a:xfrm flipV="1">
+            <a:off x="10365698" y="3970596"/>
+            <a:ext cx="0" cy="884420"/>
+          </a:xfrm>
+          <a:prstGeom prst="straightConnector1">
+            <a:avLst/>
+          </a:prstGeom>
+          <a:ln>
+            <a:tailEnd type="triangle"/>
+          </a:ln>
+        </p:spPr>
+        <p:style>
+          <a:lnRef idx="1">
+            <a:schemeClr val="accent1"/>
+          </a:lnRef>
+          <a:fillRef idx="0">
+            <a:schemeClr val="accent1"/>
+          </a:fillRef>
+          <a:effectRef idx="0">
+            <a:schemeClr val="accent1"/>
+          </a:effectRef>
+          <a:fontRef idx="minor">
+            <a:schemeClr val="tx1"/>
+          </a:fontRef>
+        </p:style>
+      </p:cxnSp>
+      <p:sp>
+        <p:nvSpPr>
+          <p:cNvPr id="10" name="TextBox 9"/>
+          <p:cNvSpPr txBox="1"/>
+          <p:nvPr/>
+        </p:nvSpPr>
+        <p:spPr>
+          <a:xfrm>
+            <a:off x="9770823" y="5132334"/>
+            <a:ext cx="965329" cy="307777"/>
+          </a:xfrm>
+          <a:prstGeom prst="rect">
+            <a:avLst/>
+          </a:prstGeom>
+          <a:noFill/>
+        </p:spPr>
+        <p:txBody>
+          <a:bodyPr wrap="none" rtlCol="0">
+            <a:spAutoFit/>
+          </a:bodyPr>
+          <a:lstStyle/>
+          <a:p>
+            <a:r>
+              <a:rPr lang="ko-KR" altLang="en-US" sz="1400" smtClean="0"/>
+              <a:t>간격 조정</a:t>
+            </a:r>
+            <a:endParaRPr lang="ko-KR" altLang="en-US" sz="1400" dirty="0"/>
+          </a:p>
+        </p:txBody>
+      </p:sp>
+      <p:sp>
+        <p:nvSpPr>
+          <p:cNvPr id="11" name="TextBox 10"/>
+          <p:cNvSpPr txBox="1"/>
+          <p:nvPr/>
+        </p:nvSpPr>
+        <p:spPr>
+          <a:xfrm>
+            <a:off x="1428749" y="5338519"/>
+            <a:ext cx="1144865" cy="307777"/>
+          </a:xfrm>
+          <a:prstGeom prst="rect">
+            <a:avLst/>
+          </a:prstGeom>
+          <a:noFill/>
+        </p:spPr>
+        <p:txBody>
+          <a:bodyPr wrap="none" rtlCol="0">
+            <a:spAutoFit/>
+          </a:bodyPr>
+          <a:lstStyle/>
+          <a:p>
+            <a:r>
+              <a:rPr lang="ko-KR" altLang="en-US" sz="1400" dirty="0" smtClean="0"/>
+              <a:t>스크롤 생성</a:t>
+            </a:r>
+            <a:endParaRPr lang="ko-KR" altLang="en-US" sz="1400" dirty="0"/>
+          </a:p>
+        </p:txBody>
+      </p:sp>
+      <p:cxnSp>
+        <p:nvCxnSpPr>
+          <p:cNvPr id="12" name="직선 화살표 연결선 11"/>
+          <p:cNvCxnSpPr/>
+          <p:nvPr/>
+        </p:nvCxnSpPr>
+        <p:spPr>
+          <a:xfrm flipV="1">
+            <a:off x="2001182" y="4247914"/>
+            <a:ext cx="0" cy="884420"/>
+          </a:xfrm>
+          <a:prstGeom prst="straightConnector1">
+            <a:avLst/>
+          </a:prstGeom>
+          <a:ln>
+            <a:tailEnd type="triangle"/>
+          </a:ln>
+        </p:spPr>
+        <p:style>
+          <a:lnRef idx="1">
+            <a:schemeClr val="accent1"/>
+          </a:lnRef>
+          <a:fillRef idx="0">
+            <a:schemeClr val="accent1"/>
+          </a:fillRef>
+          <a:effectRef idx="0">
+            <a:schemeClr val="accent1"/>
+          </a:effectRef>
+          <a:fontRef idx="minor">
+            <a:schemeClr val="tx1"/>
+          </a:fontRef>
+        </p:style>
+      </p:cxnSp>
+      <p:pic>
+        <p:nvPicPr>
+          <p:cNvPr id="13" name="그림 12"/>
+          <p:cNvPicPr>
+            <a:picLocks noChangeAspect="1"/>
+          </p:cNvPicPr>
+          <p:nvPr/>
+        </p:nvPicPr>
+        <p:blipFill>
+          <a:blip r:embed="rId4"/>
+          <a:stretch>
+            <a:fillRect/>
+          </a:stretch>
+        </p:blipFill>
+        <p:spPr>
+          <a:xfrm>
+            <a:off x="4205233" y="2046156"/>
+            <a:ext cx="2856526" cy="1332059"/>
+          </a:xfrm>
+          <a:prstGeom prst="rect">
+            <a:avLst/>
+          </a:prstGeom>
+        </p:spPr>
+      </p:pic>
+      <p:cxnSp>
+        <p:nvCxnSpPr>
+          <p:cNvPr id="14" name="직선 화살표 연결선 13"/>
+          <p:cNvCxnSpPr/>
+          <p:nvPr/>
+        </p:nvCxnSpPr>
+        <p:spPr>
+          <a:xfrm flipV="1">
+            <a:off x="5633496" y="3658779"/>
+            <a:ext cx="0" cy="884420"/>
+          </a:xfrm>
+          <a:prstGeom prst="straightConnector1">
+            <a:avLst/>
+          </a:prstGeom>
+          <a:ln>
+            <a:tailEnd type="triangle"/>
+          </a:ln>
+        </p:spPr>
+        <p:style>
+          <a:lnRef idx="1">
+            <a:schemeClr val="accent1"/>
+          </a:lnRef>
+          <a:fillRef idx="0">
+            <a:schemeClr val="accent1"/>
+          </a:fillRef>
+          <a:effectRef idx="0">
+            <a:schemeClr val="accent1"/>
+          </a:effectRef>
+          <a:fontRef idx="minor">
+            <a:schemeClr val="tx1"/>
+          </a:fontRef>
+        </p:style>
+      </p:cxnSp>
+      <p:sp>
+        <p:nvSpPr>
+          <p:cNvPr id="15" name="TextBox 14"/>
+          <p:cNvSpPr txBox="1"/>
+          <p:nvPr/>
+        </p:nvSpPr>
+        <p:spPr>
+          <a:xfrm>
+            <a:off x="4971122" y="4690124"/>
+            <a:ext cx="1799852" cy="1061829"/>
+          </a:xfrm>
+          <a:prstGeom prst="rect">
+            <a:avLst/>
+          </a:prstGeom>
+          <a:noFill/>
+        </p:spPr>
+        <p:txBody>
+          <a:bodyPr wrap="none" rtlCol="0">
+            <a:spAutoFit/>
+          </a:bodyPr>
+          <a:lstStyle/>
+          <a:p>
+            <a:pPr>
+              <a:lnSpc>
+                <a:spcPct val="150000"/>
+              </a:lnSpc>
+            </a:pPr>
+            <a:r>
+              <a:rPr lang="ko-KR" altLang="en-US" sz="1400" dirty="0" smtClean="0"/>
+              <a:t>디자인 시안</a:t>
+            </a:r>
+            <a:endParaRPr lang="en-US" altLang="ko-KR" sz="1400" dirty="0" smtClean="0"/>
+          </a:p>
+          <a:p>
+            <a:pPr>
+              <a:lnSpc>
+                <a:spcPct val="150000"/>
+              </a:lnSpc>
+            </a:pPr>
+            <a:r>
+              <a:rPr lang="ko-KR" altLang="en-US" sz="1400" dirty="0" smtClean="0"/>
+              <a:t>라인 색상</a:t>
+            </a:r>
+            <a:r>
+              <a:rPr lang="en-US" altLang="ko-KR" sz="1400" dirty="0" smtClean="0"/>
+              <a:t>: #EAEDF2</a:t>
+            </a:r>
+          </a:p>
+          <a:p>
+            <a:pPr>
+              <a:lnSpc>
+                <a:spcPct val="150000"/>
+              </a:lnSpc>
+            </a:pPr>
+            <a:r>
+              <a:rPr lang="ko-KR" altLang="en-US" sz="1400" dirty="0" smtClean="0"/>
+              <a:t>글자 색상</a:t>
+            </a:r>
+            <a:r>
+              <a:rPr lang="en-US" altLang="ko-KR" sz="1400" dirty="0"/>
+              <a:t>: #777777</a:t>
+            </a:r>
+            <a:endParaRPr lang="ko-KR" altLang="en-US" sz="1400" dirty="0"/>
+          </a:p>
+        </p:txBody>
+      </p:sp>
+    </p:spTree>
+    <p:extLst>
+      <p:ext uri="{BB962C8B-B14F-4D97-AF65-F5344CB8AC3E}">
+        <p14:creationId xmlns:p14="http://schemas.microsoft.com/office/powerpoint/2010/main" val="2397008946"/>
+      </p:ext>
+    </p:extLst>
+  </p:cSld>
+  <p:clrMapOvr>
+    <a:masterClrMapping/>
+  </p:clrMapOvr>
+</p:sld>
+</file>
+
+<file path=ppt/slides/slide5.xml><?xml version="1.0" encoding="utf-8"?>
+<p:sld xmlns:a="http://schemas.openxmlformats.org/drawingml/2006/main" xmlns:r="http://schemas.openxmlformats.org/officeDocument/2006/relationships" xmlns:p="http://schemas.openxmlformats.org/presentationml/2006/main">
+  <p:cSld>
+    <p:spTree>
+      <p:nvGrpSpPr>
+        <p:cNvPr id="1" name=""/>
+        <p:cNvGrpSpPr/>
+        <p:nvPr/>
+      </p:nvGrpSpPr>
+      <p:grpSpPr>
+        <a:xfrm>
+          <a:off x="0" y="0"/>
+          <a:ext cx="0" cy="0"/>
+          <a:chOff x="0" y="0"/>
+          <a:chExt cx="0" cy="0"/>
+        </a:xfrm>
+      </p:grpSpPr>
+      <p:sp>
+        <p:nvSpPr>
+          <p:cNvPr id="6" name="TextBox 5"/>
+          <p:cNvSpPr txBox="1"/>
+          <p:nvPr/>
+        </p:nvSpPr>
+        <p:spPr>
+          <a:xfrm>
+            <a:off x="814318" y="325000"/>
+            <a:ext cx="1923925" cy="369332"/>
+          </a:xfrm>
+          <a:prstGeom prst="rect">
+            <a:avLst/>
+          </a:prstGeom>
+          <a:noFill/>
+        </p:spPr>
+        <p:txBody>
+          <a:bodyPr wrap="none" rtlCol="0">
+            <a:spAutoFit/>
+          </a:bodyPr>
+          <a:lstStyle/>
+          <a:p>
+            <a:r>
+              <a:rPr lang="en-US" altLang="ko-KR" dirty="0"/>
+              <a:t>UI-SJN-03-001U</a:t>
+            </a:r>
+            <a:endParaRPr lang="ko-KR" altLang="en-US" dirty="0"/>
+          </a:p>
+        </p:txBody>
+      </p:sp>
+      <p:sp>
+        <p:nvSpPr>
+          <p:cNvPr id="16" name="TextBox 15"/>
+          <p:cNvSpPr txBox="1"/>
+          <p:nvPr/>
+        </p:nvSpPr>
+        <p:spPr>
+          <a:xfrm>
+            <a:off x="814318" y="325000"/>
+            <a:ext cx="1872629" cy="369332"/>
+          </a:xfrm>
+          <a:prstGeom prst="rect">
+            <a:avLst/>
+          </a:prstGeom>
+          <a:noFill/>
+        </p:spPr>
+        <p:txBody>
+          <a:bodyPr wrap="none" rtlCol="0">
+            <a:spAutoFit/>
+          </a:bodyPr>
+          <a:lstStyle/>
+          <a:p>
+            <a:r>
+              <a:rPr lang="en-US" altLang="ko-KR" dirty="0"/>
+              <a:t>UI-SJN-03-001U</a:t>
+            </a:r>
+            <a:endParaRPr lang="ko-KR" altLang="en-US" dirty="0"/>
+          </a:p>
+        </p:txBody>
+      </p:sp>
+      <p:pic>
+        <p:nvPicPr>
+          <p:cNvPr id="3" name="그림 2"/>
+          <p:cNvPicPr>
+            <a:picLocks noChangeAspect="1"/>
+          </p:cNvPicPr>
+          <p:nvPr/>
+        </p:nvPicPr>
+        <p:blipFill>
+          <a:blip r:embed="rId2"/>
+          <a:stretch>
+            <a:fillRect/>
+          </a:stretch>
+        </p:blipFill>
+        <p:spPr>
+          <a:xfrm>
+            <a:off x="814318" y="1334871"/>
+            <a:ext cx="4153480" cy="1609950"/>
+          </a:xfrm>
+          <a:prstGeom prst="rect">
+            <a:avLst/>
+          </a:prstGeom>
+        </p:spPr>
+      </p:pic>
+      <p:sp>
+        <p:nvSpPr>
+          <p:cNvPr id="5" name="TextBox 4"/>
+          <p:cNvSpPr txBox="1"/>
+          <p:nvPr/>
+        </p:nvSpPr>
+        <p:spPr>
+          <a:xfrm>
+            <a:off x="5621311" y="2016177"/>
+            <a:ext cx="1144865" cy="307777"/>
+          </a:xfrm>
+          <a:prstGeom prst="rect">
+            <a:avLst/>
+          </a:prstGeom>
+          <a:noFill/>
+        </p:spPr>
+        <p:txBody>
+          <a:bodyPr wrap="none" rtlCol="0">
+            <a:spAutoFit/>
+          </a:bodyPr>
+          <a:lstStyle/>
+          <a:p>
+            <a:r>
+              <a:rPr lang="ko-KR" altLang="en-US" sz="1400" smtClean="0"/>
+              <a:t>디자인 변경</a:t>
+            </a:r>
+            <a:endParaRPr lang="ko-KR" altLang="en-US" sz="1400"/>
+          </a:p>
+        </p:txBody>
+      </p:sp>
+      <p:cxnSp>
+        <p:nvCxnSpPr>
+          <p:cNvPr id="9" name="직선 연결선 8"/>
+          <p:cNvCxnSpPr/>
+          <p:nvPr/>
+        </p:nvCxnSpPr>
+        <p:spPr>
+          <a:xfrm>
+            <a:off x="2738243" y="2750695"/>
+            <a:ext cx="0" cy="1289154"/>
+          </a:xfrm>
+          <a:prstGeom prst="line">
+            <a:avLst/>
+          </a:prstGeom>
+        </p:spPr>
+        <p:style>
+          <a:lnRef idx="1">
+            <a:schemeClr val="accent1"/>
+          </a:lnRef>
+          <a:fillRef idx="0">
+            <a:schemeClr val="accent1"/>
+          </a:fillRef>
+          <a:effectRef idx="0">
+            <a:schemeClr val="accent1"/>
+          </a:effectRef>
+          <a:fontRef idx="minor">
+            <a:schemeClr val="tx1"/>
+          </a:fontRef>
+        </p:style>
+      </p:cxnSp>
+      <p:cxnSp>
+        <p:nvCxnSpPr>
+          <p:cNvPr id="17" name="직선 연결선 16"/>
+          <p:cNvCxnSpPr/>
+          <p:nvPr/>
+        </p:nvCxnSpPr>
+        <p:spPr>
+          <a:xfrm>
+            <a:off x="3667633" y="2750695"/>
+            <a:ext cx="0" cy="1289154"/>
+          </a:xfrm>
+          <a:prstGeom prst="line">
+            <a:avLst/>
+          </a:prstGeom>
+        </p:spPr>
+        <p:style>
+          <a:lnRef idx="1">
+            <a:schemeClr val="accent1"/>
+          </a:lnRef>
+          <a:fillRef idx="0">
+            <a:schemeClr val="accent1"/>
+          </a:fillRef>
+          <a:effectRef idx="0">
+            <a:schemeClr val="accent1"/>
+          </a:effectRef>
+          <a:fontRef idx="minor">
+            <a:schemeClr val="tx1"/>
+          </a:fontRef>
+        </p:style>
+      </p:cxnSp>
+      <p:sp>
+        <p:nvSpPr>
+          <p:cNvPr id="18" name="TextBox 17"/>
+          <p:cNvSpPr txBox="1"/>
+          <p:nvPr/>
+        </p:nvSpPr>
+        <p:spPr>
+          <a:xfrm>
+            <a:off x="2503357" y="4145998"/>
+            <a:ext cx="1415003" cy="307777"/>
+          </a:xfrm>
+          <a:prstGeom prst="rect">
+            <a:avLst/>
+          </a:prstGeom>
+          <a:noFill/>
+        </p:spPr>
+        <p:txBody>
+          <a:bodyPr wrap="none" rtlCol="0">
+            <a:spAutoFit/>
+          </a:bodyPr>
+          <a:lstStyle/>
+          <a:p>
+            <a:r>
+              <a:rPr lang="ko-KR" altLang="en-US" sz="1400" dirty="0" smtClean="0"/>
+              <a:t>최소 크기 </a:t>
+            </a:r>
+            <a:r>
+              <a:rPr lang="en-US" altLang="ko-KR" sz="1400" dirty="0" smtClean="0"/>
+              <a:t>92px</a:t>
+            </a:r>
+            <a:endParaRPr lang="ko-KR" altLang="en-US" sz="1400" dirty="0"/>
+          </a:p>
+        </p:txBody>
+      </p:sp>
+      <p:pic>
+        <p:nvPicPr>
+          <p:cNvPr id="19" name="그림 18"/>
+          <p:cNvPicPr>
+            <a:picLocks noChangeAspect="1"/>
+          </p:cNvPicPr>
+          <p:nvPr/>
+        </p:nvPicPr>
+        <p:blipFill>
+          <a:blip r:embed="rId3"/>
+          <a:stretch>
+            <a:fillRect/>
+          </a:stretch>
+        </p:blipFill>
+        <p:spPr>
+          <a:xfrm>
+            <a:off x="7419689" y="1334871"/>
+            <a:ext cx="4015851" cy="2015474"/>
+          </a:xfrm>
+          <a:prstGeom prst="rect">
+            <a:avLst/>
+          </a:prstGeom>
+        </p:spPr>
+      </p:pic>
+      <p:sp>
+        <p:nvSpPr>
+          <p:cNvPr id="20" name="TextBox 19"/>
+          <p:cNvSpPr txBox="1"/>
+          <p:nvPr/>
+        </p:nvSpPr>
+        <p:spPr>
+          <a:xfrm>
+            <a:off x="8904158" y="838970"/>
+            <a:ext cx="798617" cy="307777"/>
+          </a:xfrm>
+          <a:prstGeom prst="rect">
+            <a:avLst/>
+          </a:prstGeom>
+          <a:noFill/>
+        </p:spPr>
+        <p:txBody>
+          <a:bodyPr wrap="none" rtlCol="0">
+            <a:spAutoFit/>
+          </a:bodyPr>
+          <a:lstStyle/>
+          <a:p>
+            <a:r>
+              <a:rPr lang="en-US" altLang="ko-KR" sz="1400" dirty="0" smtClean="0"/>
+              <a:t>pc </a:t>
+            </a:r>
+            <a:r>
+              <a:rPr lang="ko-KR" altLang="en-US" sz="1400" dirty="0" smtClean="0"/>
+              <a:t>공통</a:t>
+            </a:r>
+            <a:endParaRPr lang="ko-KR" altLang="en-US" sz="1400" dirty="0"/>
+          </a:p>
+        </p:txBody>
+      </p:sp>
+    </p:spTree>
+    <p:extLst>
+      <p:ext uri="{BB962C8B-B14F-4D97-AF65-F5344CB8AC3E}">
+        <p14:creationId xmlns:p14="http://schemas.microsoft.com/office/powerpoint/2010/main" val="2595400342"/>
+      </p:ext>
+    </p:extLst>
+  </p:cSld>
+  <p:clrMapOvr>
+    <a:masterClrMapping/>
+  </p:clrMapOvr>
+</p:sld>
+</file>
+
+<file path=ppt/slides/slide6.xml><?xml version="1.0" encoding="utf-8"?>
+<p:sld xmlns:a="http://schemas.openxmlformats.org/drawingml/2006/main" xmlns:r="http://schemas.openxmlformats.org/officeDocument/2006/relationships" xmlns:p="http://schemas.openxmlformats.org/presentationml/2006/main">
+  <p:cSld>
+    <p:spTree>
+      <p:nvGrpSpPr>
+        <p:cNvPr id="1" name=""/>
+        <p:cNvGrpSpPr/>
+        <p:nvPr/>
+      </p:nvGrpSpPr>
+      <p:grpSpPr>
+        <a:xfrm>
+          <a:off x="0" y="0"/>
+          <a:ext cx="0" cy="0"/>
+          <a:chOff x="0" y="0"/>
+          <a:chExt cx="0" cy="0"/>
+        </a:xfrm>
+      </p:grpSpPr>
+      <p:sp>
+        <p:nvSpPr>
+          <p:cNvPr id="10" name="TextBox 9"/>
+          <p:cNvSpPr txBox="1"/>
+          <p:nvPr/>
+        </p:nvSpPr>
+        <p:spPr>
+          <a:xfrm>
+            <a:off x="814318" y="325000"/>
+            <a:ext cx="1872629" cy="369332"/>
+          </a:xfrm>
+          <a:prstGeom prst="rect">
+            <a:avLst/>
+          </a:prstGeom>
+          <a:noFill/>
+        </p:spPr>
+        <p:txBody>
+          <a:bodyPr wrap="none" rtlCol="0">
+            <a:spAutoFit/>
+          </a:bodyPr>
+          <a:lstStyle/>
+          <a:p>
+            <a:r>
+              <a:rPr lang="en-US" altLang="ko-KR" dirty="0"/>
+              <a:t>UI-SJN-30-007L</a:t>
+            </a:r>
+            <a:endParaRPr lang="ko-KR" altLang="en-US" dirty="0"/>
+          </a:p>
+        </p:txBody>
+      </p:sp>
+      <p:pic>
+        <p:nvPicPr>
+          <p:cNvPr id="2" name="그림 1"/>
+          <p:cNvPicPr>
+            <a:picLocks noChangeAspect="1"/>
+          </p:cNvPicPr>
+          <p:nvPr/>
+        </p:nvPicPr>
+        <p:blipFill>
+          <a:blip r:embed="rId2"/>
+          <a:stretch>
+            <a:fillRect/>
+          </a:stretch>
+        </p:blipFill>
+        <p:spPr>
+          <a:xfrm>
+            <a:off x="814318" y="1159398"/>
+            <a:ext cx="4296375" cy="1076475"/>
+          </a:xfrm>
+          <a:prstGeom prst="rect">
+            <a:avLst/>
+          </a:prstGeom>
+        </p:spPr>
+      </p:pic>
+      <p:sp>
+        <p:nvSpPr>
+          <p:cNvPr id="11" name="TextBox 10"/>
+          <p:cNvSpPr txBox="1"/>
+          <p:nvPr/>
+        </p:nvSpPr>
+        <p:spPr>
+          <a:xfrm>
+            <a:off x="2072394" y="3497778"/>
+            <a:ext cx="1566454" cy="307777"/>
+          </a:xfrm>
+          <a:prstGeom prst="rect">
+            <a:avLst/>
+          </a:prstGeom>
+          <a:noFill/>
+        </p:spPr>
+        <p:txBody>
+          <a:bodyPr wrap="none" rtlCol="0">
+            <a:spAutoFit/>
+          </a:bodyPr>
+          <a:lstStyle/>
+          <a:p>
+            <a:r>
+              <a:rPr lang="ko-KR" altLang="en-US" sz="1400" smtClean="0"/>
+              <a:t>버튼 태그로 교체</a:t>
+            </a:r>
+            <a:endParaRPr lang="ko-KR" altLang="en-US" sz="1400" dirty="0"/>
+          </a:p>
+        </p:txBody>
+      </p:sp>
+      <p:cxnSp>
+        <p:nvCxnSpPr>
+          <p:cNvPr id="12" name="직선 화살표 연결선 11"/>
+          <p:cNvCxnSpPr/>
+          <p:nvPr/>
+        </p:nvCxnSpPr>
+        <p:spPr>
+          <a:xfrm flipV="1">
+            <a:off x="2855621" y="2501560"/>
+            <a:ext cx="0" cy="884420"/>
+          </a:xfrm>
+          <a:prstGeom prst="straightConnector1">
+            <a:avLst/>
+          </a:prstGeom>
+          <a:ln>
+            <a:tailEnd type="triangle"/>
+          </a:ln>
+        </p:spPr>
+        <p:style>
+          <a:lnRef idx="1">
+            <a:schemeClr val="accent1"/>
+          </a:lnRef>
+          <a:fillRef idx="0">
+            <a:schemeClr val="accent1"/>
+          </a:fillRef>
+          <a:effectRef idx="0">
+            <a:schemeClr val="accent1"/>
+          </a:effectRef>
+          <a:fontRef idx="minor">
+            <a:schemeClr val="tx1"/>
+          </a:fontRef>
+        </p:style>
+      </p:cxnSp>
+      <p:pic>
+        <p:nvPicPr>
+          <p:cNvPr id="4" name="그림 3"/>
+          <p:cNvPicPr>
+            <a:picLocks noChangeAspect="1"/>
+          </p:cNvPicPr>
+          <p:nvPr/>
+        </p:nvPicPr>
+        <p:blipFill>
+          <a:blip r:embed="rId3"/>
+          <a:stretch>
+            <a:fillRect/>
+          </a:stretch>
+        </p:blipFill>
+        <p:spPr>
+          <a:xfrm>
+            <a:off x="5889039" y="1171963"/>
+            <a:ext cx="4296375" cy="1086002"/>
+          </a:xfrm>
+          <a:prstGeom prst="rect">
+            <a:avLst/>
+          </a:prstGeom>
+        </p:spPr>
+      </p:pic>
+    </p:spTree>
+    <p:extLst>
+      <p:ext uri="{BB962C8B-B14F-4D97-AF65-F5344CB8AC3E}">
+        <p14:creationId xmlns:p14="http://schemas.microsoft.com/office/powerpoint/2010/main" val="2111356289"/>
+      </p:ext>
+    </p:extLst>
+  </p:cSld>
+  <p:clrMapOvr>
+    <a:masterClrMapping/>
+  </p:clrMapOvr>
+</p:sld>
+</file>
+
+<file path=ppt/slides/slide7.xml><?xml version="1.0" encoding="utf-8"?>
+<p:sld xmlns:a="http://schemas.openxmlformats.org/drawingml/2006/main" xmlns:r="http://schemas.openxmlformats.org/officeDocument/2006/relationships" xmlns:p="http://schemas.openxmlformats.org/presentationml/2006/main">
+  <p:cSld>
+    <p:spTree>
+      <p:nvGrpSpPr>
+        <p:cNvPr id="1" name=""/>
+        <p:cNvGrpSpPr/>
+        <p:nvPr/>
+      </p:nvGrpSpPr>
+      <p:grpSpPr>
+        <a:xfrm>
+          <a:off x="0" y="0"/>
+          <a:ext cx="0" cy="0"/>
+          <a:chOff x="0" y="0"/>
+          <a:chExt cx="0" cy="0"/>
+        </a:xfrm>
+      </p:grpSpPr>
+      <p:sp>
+        <p:nvSpPr>
+          <p:cNvPr id="10" name="TextBox 9"/>
+          <p:cNvSpPr txBox="1"/>
+          <p:nvPr/>
+        </p:nvSpPr>
+        <p:spPr>
+          <a:xfrm>
+            <a:off x="814318" y="325000"/>
+            <a:ext cx="1872629" cy="369332"/>
+          </a:xfrm>
+          <a:prstGeom prst="rect">
+            <a:avLst/>
+          </a:prstGeom>
+          <a:noFill/>
+        </p:spPr>
+        <p:txBody>
+          <a:bodyPr wrap="none" rtlCol="0">
+            <a:spAutoFit/>
+          </a:bodyPr>
+          <a:lstStyle/>
+          <a:p>
+            <a:r>
+              <a:rPr lang="en-US" altLang="ko-KR" dirty="0"/>
+              <a:t>UI-SJN-23-002L</a:t>
+            </a:r>
+            <a:endParaRPr lang="en-US" altLang="ko-KR" dirty="0"/>
+          </a:p>
+        </p:txBody>
+      </p:sp>
+      <p:sp>
+        <p:nvSpPr>
+          <p:cNvPr id="8" name="TextBox 7"/>
+          <p:cNvSpPr txBox="1"/>
+          <p:nvPr/>
+        </p:nvSpPr>
+        <p:spPr>
+          <a:xfrm>
+            <a:off x="4583246" y="1232701"/>
+            <a:ext cx="5501827" cy="307777"/>
+          </a:xfrm>
+          <a:prstGeom prst="rect">
+            <a:avLst/>
+          </a:prstGeom>
+          <a:noFill/>
+        </p:spPr>
+        <p:txBody>
+          <a:bodyPr wrap="none" rtlCol="0">
+            <a:spAutoFit/>
+          </a:bodyPr>
+          <a:lstStyle/>
+          <a:p>
+            <a:r>
+              <a:rPr lang="ko-KR" altLang="en-US" sz="1400" dirty="0" err="1" smtClean="0"/>
+              <a:t>한줄로</a:t>
+            </a:r>
+            <a:r>
+              <a:rPr lang="ko-KR" altLang="en-US" sz="1400" dirty="0" smtClean="0"/>
+              <a:t> 표시 되도록 변경 </a:t>
+            </a:r>
+            <a:r>
+              <a:rPr lang="en-US" altLang="ko-KR" sz="1400" dirty="0"/>
+              <a:t>(</a:t>
+            </a:r>
+            <a:r>
+              <a:rPr lang="ko-KR" altLang="en-US" sz="1400" dirty="0"/>
+              <a:t>태그 수정 및 클래스가 추가되었습니다</a:t>
+            </a:r>
+            <a:r>
+              <a:rPr lang="en-US" altLang="ko-KR" sz="1400" dirty="0" smtClean="0"/>
+              <a:t>.)</a:t>
+            </a:r>
+            <a:endParaRPr lang="ko-KR" altLang="en-US" sz="1400" dirty="0"/>
+          </a:p>
+        </p:txBody>
+      </p:sp>
+      <p:pic>
+        <p:nvPicPr>
+          <p:cNvPr id="5" name="그림 4"/>
+          <p:cNvPicPr>
+            <a:picLocks noChangeAspect="1"/>
+          </p:cNvPicPr>
+          <p:nvPr/>
+        </p:nvPicPr>
+        <p:blipFill>
+          <a:blip r:embed="rId2"/>
+          <a:stretch>
+            <a:fillRect/>
+          </a:stretch>
+        </p:blipFill>
+        <p:spPr>
+          <a:xfrm>
+            <a:off x="647105" y="854440"/>
+            <a:ext cx="3063818" cy="5812664"/>
+          </a:xfrm>
+          <a:prstGeom prst="rect">
+            <a:avLst/>
+          </a:prstGeom>
+        </p:spPr>
+      </p:pic>
+      <p:sp>
+        <p:nvSpPr>
+          <p:cNvPr id="13" name="TextBox 12"/>
+          <p:cNvSpPr txBox="1"/>
+          <p:nvPr/>
+        </p:nvSpPr>
+        <p:spPr>
+          <a:xfrm>
+            <a:off x="4583246" y="2038636"/>
+            <a:ext cx="4658648" cy="307777"/>
+          </a:xfrm>
+          <a:prstGeom prst="rect">
+            <a:avLst/>
+          </a:prstGeom>
+          <a:noFill/>
+        </p:spPr>
+        <p:txBody>
+          <a:bodyPr wrap="none" rtlCol="0">
+            <a:spAutoFit/>
+          </a:bodyPr>
+          <a:lstStyle/>
+          <a:p>
+            <a:r>
+              <a:rPr lang="ko-KR" altLang="en-US" sz="1400" dirty="0" smtClean="0"/>
+              <a:t>버튼으로 변경 </a:t>
+            </a:r>
+            <a:r>
+              <a:rPr lang="en-US" altLang="ko-KR" sz="1400" dirty="0" smtClean="0"/>
+              <a:t>(</a:t>
+            </a:r>
+            <a:r>
+              <a:rPr lang="ko-KR" altLang="en-US" sz="1400" dirty="0" smtClean="0"/>
+              <a:t>태그 수정 및 클래스가 추가되었습니다</a:t>
+            </a:r>
+            <a:r>
+              <a:rPr lang="en-US" altLang="ko-KR" sz="1400" dirty="0" smtClean="0"/>
+              <a:t>.)</a:t>
+            </a:r>
+            <a:endParaRPr lang="ko-KR" altLang="en-US" sz="1400" dirty="0"/>
+          </a:p>
+        </p:txBody>
+      </p:sp>
+      <p:sp>
+        <p:nvSpPr>
+          <p:cNvPr id="14" name="TextBox 13"/>
+          <p:cNvSpPr txBox="1"/>
+          <p:nvPr/>
+        </p:nvSpPr>
+        <p:spPr>
+          <a:xfrm>
+            <a:off x="4583246" y="6153436"/>
+            <a:ext cx="2167581" cy="307777"/>
+          </a:xfrm>
+          <a:prstGeom prst="rect">
+            <a:avLst/>
+          </a:prstGeom>
+          <a:noFill/>
+        </p:spPr>
+        <p:txBody>
+          <a:bodyPr wrap="none" rtlCol="0">
+            <a:spAutoFit/>
+          </a:bodyPr>
+          <a:lstStyle/>
+          <a:p>
+            <a:r>
+              <a:rPr lang="ko-KR" altLang="en-US" sz="1400" dirty="0" err="1" smtClean="0"/>
+              <a:t>아아콘</a:t>
+            </a:r>
+            <a:r>
+              <a:rPr lang="ko-KR" altLang="en-US" sz="1400" dirty="0" smtClean="0"/>
+              <a:t> </a:t>
+            </a:r>
+            <a:r>
+              <a:rPr lang="ko-KR" altLang="en-US" sz="1400" dirty="0" err="1" smtClean="0"/>
+              <a:t>안나오던</a:t>
+            </a:r>
+            <a:r>
+              <a:rPr lang="ko-KR" altLang="en-US" sz="1400" dirty="0" smtClean="0"/>
+              <a:t> 것 수정</a:t>
+            </a:r>
+            <a:endParaRPr lang="ko-KR" altLang="en-US" sz="1400" dirty="0"/>
+          </a:p>
+        </p:txBody>
+      </p:sp>
+      <p:cxnSp>
+        <p:nvCxnSpPr>
+          <p:cNvPr id="7" name="직선 화살표 연결선 6"/>
+          <p:cNvCxnSpPr/>
+          <p:nvPr/>
+        </p:nvCxnSpPr>
+        <p:spPr>
+          <a:xfrm flipH="1" flipV="1">
+            <a:off x="1588957" y="6435192"/>
+            <a:ext cx="2994289" cy="1"/>
+          </a:xfrm>
+          <a:prstGeom prst="straightConnector1">
+            <a:avLst/>
+          </a:prstGeom>
+          <a:ln>
+            <a:tailEnd type="triangle"/>
+          </a:ln>
+        </p:spPr>
+        <p:style>
+          <a:lnRef idx="1">
+            <a:schemeClr val="accent1"/>
+          </a:lnRef>
+          <a:fillRef idx="0">
+            <a:schemeClr val="accent1"/>
+          </a:fillRef>
+          <a:effectRef idx="0">
+            <a:schemeClr val="accent1"/>
+          </a:effectRef>
+          <a:fontRef idx="minor">
+            <a:schemeClr val="tx1"/>
+          </a:fontRef>
+        </p:style>
+      </p:cxnSp>
+      <p:cxnSp>
+        <p:nvCxnSpPr>
+          <p:cNvPr id="16" name="직선 화살표 연결선 15"/>
+          <p:cNvCxnSpPr>
+            <a:stCxn id="13" idx="1"/>
+          </p:cNvCxnSpPr>
+          <p:nvPr/>
+        </p:nvCxnSpPr>
+        <p:spPr>
+          <a:xfrm flipH="1">
+            <a:off x="3252866" y="2192525"/>
+            <a:ext cx="1330380" cy="0"/>
+          </a:xfrm>
+          <a:prstGeom prst="straightConnector1">
+            <a:avLst/>
+          </a:prstGeom>
+          <a:ln>
+            <a:tailEnd type="triangle"/>
+          </a:ln>
+        </p:spPr>
+        <p:style>
+          <a:lnRef idx="1">
+            <a:schemeClr val="accent1"/>
+          </a:lnRef>
+          <a:fillRef idx="0">
+            <a:schemeClr val="accent1"/>
+          </a:fillRef>
+          <a:effectRef idx="0">
+            <a:schemeClr val="accent1"/>
+          </a:effectRef>
+          <a:fontRef idx="minor">
+            <a:schemeClr val="tx1"/>
+          </a:fontRef>
+        </p:style>
+      </p:cxnSp>
+      <p:cxnSp>
+        <p:nvCxnSpPr>
+          <p:cNvPr id="18" name="직선 화살표 연결선 17"/>
+          <p:cNvCxnSpPr/>
+          <p:nvPr/>
+        </p:nvCxnSpPr>
+        <p:spPr>
+          <a:xfrm flipH="1" flipV="1">
+            <a:off x="3481895" y="1150682"/>
+            <a:ext cx="1007659" cy="235908"/>
+          </a:xfrm>
+          <a:prstGeom prst="straightConnector1">
+            <a:avLst/>
+          </a:prstGeom>
+          <a:ln>
+            <a:tailEnd type="triangle"/>
+          </a:ln>
+        </p:spPr>
+        <p:style>
+          <a:lnRef idx="1">
+            <a:schemeClr val="accent1"/>
+          </a:lnRef>
+          <a:fillRef idx="0">
+            <a:schemeClr val="accent1"/>
+          </a:fillRef>
+          <a:effectRef idx="0">
+            <a:schemeClr val="accent1"/>
+          </a:effectRef>
+          <a:fontRef idx="minor">
+            <a:schemeClr val="tx1"/>
+          </a:fontRef>
+        </p:style>
+      </p:cxnSp>
+      <p:cxnSp>
+        <p:nvCxnSpPr>
+          <p:cNvPr id="20" name="직선 화살표 연결선 19"/>
+          <p:cNvCxnSpPr/>
+          <p:nvPr/>
+        </p:nvCxnSpPr>
+        <p:spPr>
+          <a:xfrm flipH="1">
+            <a:off x="3402767" y="1405528"/>
+            <a:ext cx="1101777" cy="0"/>
+          </a:xfrm>
+          <a:prstGeom prst="straightConnector1">
+            <a:avLst/>
+          </a:prstGeom>
+          <a:ln>
+            <a:tailEnd type="triangle"/>
+          </a:ln>
+        </p:spPr>
+        <p:style>
+          <a:lnRef idx="1">
+            <a:schemeClr val="accent1"/>
+          </a:lnRef>
+          <a:fillRef idx="0">
+            <a:schemeClr val="accent1"/>
+          </a:fillRef>
+          <a:effectRef idx="0">
+            <a:schemeClr val="accent1"/>
+          </a:effectRef>
+          <a:fontRef idx="minor">
+            <a:schemeClr val="tx1"/>
+          </a:fontRef>
+        </p:style>
+      </p:cxnSp>
+      <p:pic>
+        <p:nvPicPr>
+          <p:cNvPr id="22" name="그림 21"/>
+          <p:cNvPicPr>
+            <a:picLocks noChangeAspect="1"/>
+          </p:cNvPicPr>
+          <p:nvPr/>
+        </p:nvPicPr>
+        <p:blipFill>
+          <a:blip r:embed="rId3"/>
+          <a:stretch>
+            <a:fillRect/>
+          </a:stretch>
+        </p:blipFill>
+        <p:spPr>
+          <a:xfrm>
+            <a:off x="7269110" y="3628655"/>
+            <a:ext cx="3724795" cy="1009791"/>
+          </a:xfrm>
+          <a:prstGeom prst="rect">
+            <a:avLst/>
+          </a:prstGeom>
+        </p:spPr>
+      </p:pic>
+      <p:sp>
+        <p:nvSpPr>
+          <p:cNvPr id="23" name="TextBox 22"/>
+          <p:cNvSpPr txBox="1"/>
+          <p:nvPr/>
+        </p:nvSpPr>
+        <p:spPr>
+          <a:xfrm>
+            <a:off x="7334159" y="3259323"/>
+            <a:ext cx="1872629" cy="369332"/>
+          </a:xfrm>
+          <a:prstGeom prst="rect">
+            <a:avLst/>
+          </a:prstGeom>
+          <a:noFill/>
+        </p:spPr>
+        <p:txBody>
+          <a:bodyPr wrap="none" rtlCol="0">
+            <a:spAutoFit/>
+          </a:bodyPr>
+          <a:lstStyle/>
+          <a:p>
+            <a:r>
+              <a:rPr lang="en-US" altLang="ko-KR" dirty="0"/>
+              <a:t>UI-SJN-20-001U</a:t>
+            </a:r>
+            <a:endParaRPr lang="en-US" altLang="ko-KR" dirty="0"/>
+          </a:p>
+        </p:txBody>
+      </p:sp>
+      <p:cxnSp>
+        <p:nvCxnSpPr>
+          <p:cNvPr id="25" name="직선 화살표 연결선 24"/>
+          <p:cNvCxnSpPr/>
+          <p:nvPr/>
+        </p:nvCxnSpPr>
+        <p:spPr>
+          <a:xfrm>
+            <a:off x="9698636" y="1663908"/>
+            <a:ext cx="0" cy="1964747"/>
+          </a:xfrm>
+          <a:prstGeom prst="straightConnector1">
+            <a:avLst/>
+          </a:prstGeom>
+          <a:ln>
+            <a:tailEnd type="triangle"/>
+          </a:ln>
+        </p:spPr>
+        <p:style>
+          <a:lnRef idx="1">
+            <a:schemeClr val="accent1"/>
+          </a:lnRef>
+          <a:fillRef idx="0">
+            <a:schemeClr val="accent1"/>
+          </a:fillRef>
+          <a:effectRef idx="0">
+            <a:schemeClr val="accent1"/>
+          </a:effectRef>
+          <a:fontRef idx="minor">
+            <a:schemeClr val="tx1"/>
+          </a:fontRef>
+        </p:style>
+      </p:cxnSp>
+    </p:spTree>
+    <p:extLst>
+      <p:ext uri="{BB962C8B-B14F-4D97-AF65-F5344CB8AC3E}">
+        <p14:creationId xmlns:p14="http://schemas.microsoft.com/office/powerpoint/2010/main" val="4239035350"/>
+      </p:ext>
+    </p:extLst>
+  </p:cSld>
+  <p:clrMapOvr>
+    <a:masterClrMapping/>
+  </p:clrMapOvr>
+</p:sld>
+</file>
+
+<file path=ppt/slides/slide8.xml><?xml version="1.0" encoding="utf-8"?>
+<p:sld xmlns:a="http://schemas.openxmlformats.org/drawingml/2006/main" xmlns:r="http://schemas.openxmlformats.org/officeDocument/2006/relationships" xmlns:p="http://schemas.openxmlformats.org/presentationml/2006/main">
+  <p:cSld>
+    <p:spTree>
+      <p:nvGrpSpPr>
+        <p:cNvPr id="1" name=""/>
+        <p:cNvGrpSpPr/>
+        <p:nvPr/>
+      </p:nvGrpSpPr>
+      <p:grpSpPr>
+        <a:xfrm>
+          <a:off x="0" y="0"/>
+          <a:ext cx="0" cy="0"/>
+          <a:chOff x="0" y="0"/>
+          <a:chExt cx="0" cy="0"/>
+        </a:xfrm>
+      </p:grpSpPr>
+      <p:sp>
+        <p:nvSpPr>
+          <p:cNvPr id="10" name="TextBox 9"/>
+          <p:cNvSpPr txBox="1"/>
+          <p:nvPr/>
+        </p:nvSpPr>
+        <p:spPr>
+          <a:xfrm>
+            <a:off x="814318" y="325000"/>
+            <a:ext cx="1872629" cy="369332"/>
+          </a:xfrm>
+          <a:prstGeom prst="rect">
+            <a:avLst/>
+          </a:prstGeom>
+          <a:noFill/>
+        </p:spPr>
+        <p:txBody>
+          <a:bodyPr wrap="none" rtlCol="0">
+            <a:spAutoFit/>
+          </a:bodyPr>
+          <a:lstStyle/>
+          <a:p>
+            <a:r>
+              <a:rPr lang="en-US" altLang="ko-KR" dirty="0"/>
+              <a:t>UI-SJN-20-001U</a:t>
+            </a:r>
+            <a:endParaRPr lang="en-US" altLang="ko-KR" dirty="0"/>
+          </a:p>
+        </p:txBody>
+      </p:sp>
+      <p:pic>
+        <p:nvPicPr>
+          <p:cNvPr id="2" name="그림 1"/>
+          <p:cNvPicPr>
+            <a:picLocks noChangeAspect="1"/>
+          </p:cNvPicPr>
+          <p:nvPr/>
+        </p:nvPicPr>
+        <p:blipFill>
+          <a:blip r:embed="rId2"/>
+          <a:stretch>
+            <a:fillRect/>
+          </a:stretch>
+        </p:blipFill>
+        <p:spPr>
+          <a:xfrm>
+            <a:off x="653339" y="1034321"/>
+            <a:ext cx="3299998" cy="5269592"/>
+          </a:xfrm>
+          <a:prstGeom prst="rect">
+            <a:avLst/>
+          </a:prstGeom>
+        </p:spPr>
+      </p:pic>
+      <p:pic>
+        <p:nvPicPr>
+          <p:cNvPr id="3" name="그림 2"/>
+          <p:cNvPicPr>
+            <a:picLocks noChangeAspect="1"/>
+          </p:cNvPicPr>
+          <p:nvPr/>
+        </p:nvPicPr>
+        <p:blipFill>
+          <a:blip r:embed="rId3"/>
+          <a:stretch>
+            <a:fillRect/>
+          </a:stretch>
+        </p:blipFill>
+        <p:spPr>
+          <a:xfrm>
+            <a:off x="4830130" y="1549177"/>
+            <a:ext cx="2897300" cy="4660588"/>
+          </a:xfrm>
+          <a:prstGeom prst="rect">
+            <a:avLst/>
+          </a:prstGeom>
+        </p:spPr>
+      </p:pic>
+      <p:sp>
+        <p:nvSpPr>
+          <p:cNvPr id="17" name="TextBox 16"/>
+          <p:cNvSpPr txBox="1"/>
+          <p:nvPr/>
+        </p:nvSpPr>
+        <p:spPr>
+          <a:xfrm>
+            <a:off x="4759229" y="1034321"/>
+            <a:ext cx="1503938" cy="307777"/>
+          </a:xfrm>
+          <a:prstGeom prst="rect">
+            <a:avLst/>
+          </a:prstGeom>
+          <a:noFill/>
+        </p:spPr>
+        <p:txBody>
+          <a:bodyPr wrap="none" rtlCol="0">
+            <a:spAutoFit/>
+          </a:bodyPr>
+          <a:lstStyle/>
+          <a:p>
+            <a:r>
+              <a:rPr lang="en-US" altLang="ko-KR" sz="1400" dirty="0"/>
+              <a:t>UI-SJN-23-002L</a:t>
+            </a:r>
+            <a:endParaRPr lang="en-US" altLang="ko-KR" sz="1400" dirty="0"/>
+          </a:p>
+        </p:txBody>
+      </p:sp>
+      <p:sp>
+        <p:nvSpPr>
+          <p:cNvPr id="19" name="TextBox 18"/>
+          <p:cNvSpPr txBox="1"/>
+          <p:nvPr/>
+        </p:nvSpPr>
+        <p:spPr>
+          <a:xfrm>
+            <a:off x="8154518" y="2033664"/>
+            <a:ext cx="2808782" cy="307777"/>
+          </a:xfrm>
+          <a:prstGeom prst="rect">
+            <a:avLst/>
+          </a:prstGeom>
+          <a:noFill/>
+        </p:spPr>
+        <p:txBody>
+          <a:bodyPr wrap="none" rtlCol="0">
+            <a:spAutoFit/>
+          </a:bodyPr>
+          <a:lstStyle/>
+          <a:p>
+            <a:r>
+              <a:rPr lang="ko-KR" altLang="en-US" sz="1400" dirty="0" smtClean="0"/>
+              <a:t>라인 넣고 간격을 좀 </a:t>
+            </a:r>
+            <a:r>
+              <a:rPr lang="ko-KR" altLang="en-US" sz="1400" dirty="0"/>
+              <a:t>벌</a:t>
+            </a:r>
+            <a:r>
+              <a:rPr lang="ko-KR" altLang="en-US" sz="1400" dirty="0" smtClean="0"/>
+              <a:t>렸습니다</a:t>
+            </a:r>
+            <a:r>
+              <a:rPr lang="en-US" altLang="ko-KR" sz="1400" dirty="0" smtClean="0"/>
+              <a:t>.</a:t>
+            </a:r>
+          </a:p>
+        </p:txBody>
+      </p:sp>
+    </p:spTree>
+    <p:extLst>
+      <p:ext uri="{BB962C8B-B14F-4D97-AF65-F5344CB8AC3E}">
+        <p14:creationId xmlns:p14="http://schemas.microsoft.com/office/powerpoint/2010/main" val="175538653"/>
+      </p:ext>
+    </p:extLst>
+  </p:cSld>
+  <p:clrMapOvr>
+    <a:masterClrMapping/>
+  </p:clrMapOvr>
+</p:sld>
+</file>
+
+<file path=ppt/slides/slide9.xml><?xml version="1.0" encoding="utf-8"?>
+<p:sld xmlns:a="http://schemas.openxmlformats.org/drawingml/2006/main" xmlns:r="http://schemas.openxmlformats.org/officeDocument/2006/relationships" xmlns:p="http://schemas.openxmlformats.org/presentationml/2006/main">
+  <p:cSld>
+    <p:spTree>
+      <p:nvGrpSpPr>
+        <p:cNvPr id="1" name=""/>
+        <p:cNvGrpSpPr/>
+        <p:nvPr/>
+      </p:nvGrpSpPr>
+      <p:grpSpPr>
+        <a:xfrm>
+          <a:off x="0" y="0"/>
+          <a:ext cx="0" cy="0"/>
+          <a:chOff x="0" y="0"/>
+          <a:chExt cx="0" cy="0"/>
+        </a:xfrm>
+      </p:grpSpPr>
+      <p:sp>
+        <p:nvSpPr>
+          <p:cNvPr id="10" name="TextBox 9"/>
+          <p:cNvSpPr txBox="1"/>
+          <p:nvPr/>
+        </p:nvSpPr>
+        <p:spPr>
+          <a:xfrm>
+            <a:off x="814318" y="325000"/>
+            <a:ext cx="1872629" cy="369332"/>
+          </a:xfrm>
+          <a:prstGeom prst="rect">
+            <a:avLst/>
+          </a:prstGeom>
+          <a:noFill/>
+        </p:spPr>
+        <p:txBody>
+          <a:bodyPr wrap="none" rtlCol="0">
+            <a:spAutoFit/>
+          </a:bodyPr>
+          <a:lstStyle/>
+          <a:p>
+            <a:r>
+              <a:rPr lang="en-US" altLang="ko-KR" dirty="0"/>
+              <a:t>UI-SJN-42-001L</a:t>
+            </a:r>
+            <a:endParaRPr lang="en-US" altLang="ko-KR" dirty="0"/>
+          </a:p>
+        </p:txBody>
+      </p:sp>
+      <p:sp>
+        <p:nvSpPr>
+          <p:cNvPr id="19" name="TextBox 18"/>
+          <p:cNvSpPr txBox="1"/>
+          <p:nvPr/>
+        </p:nvSpPr>
+        <p:spPr>
+          <a:xfrm>
+            <a:off x="4642583" y="5538866"/>
+            <a:ext cx="7515199" cy="1061829"/>
+          </a:xfrm>
+          <a:prstGeom prst="rect">
+            <a:avLst/>
+          </a:prstGeom>
+          <a:noFill/>
+        </p:spPr>
+        <p:txBody>
+          <a:bodyPr wrap="none" rtlCol="0">
+            <a:spAutoFit/>
+          </a:bodyPr>
+          <a:lstStyle/>
+          <a:p>
+            <a:pPr>
+              <a:lnSpc>
+                <a:spcPct val="150000"/>
+              </a:lnSpc>
+            </a:pPr>
+            <a:r>
+              <a:rPr lang="en-US" altLang="ko-KR" sz="1400" dirty="0" smtClean="0"/>
+              <a:t>CSS</a:t>
+            </a:r>
+            <a:r>
+              <a:rPr lang="ko-KR" altLang="en-US" sz="1400" dirty="0" smtClean="0"/>
+              <a:t>로 팝업 </a:t>
+            </a:r>
+            <a:r>
+              <a:rPr lang="en-US" altLang="ko-KR" sz="1400" dirty="0" smtClean="0"/>
+              <a:t>z-index </a:t>
+            </a:r>
+            <a:r>
+              <a:rPr lang="ko-KR" altLang="en-US" sz="1400" dirty="0" smtClean="0"/>
+              <a:t>수정했습니다</a:t>
+            </a:r>
+            <a:r>
+              <a:rPr lang="en-US" altLang="ko-KR" sz="1400" dirty="0" smtClean="0"/>
+              <a:t>.</a:t>
+            </a:r>
+          </a:p>
+          <a:p>
+            <a:pPr>
+              <a:lnSpc>
+                <a:spcPct val="150000"/>
+              </a:lnSpc>
+            </a:pPr>
+            <a:r>
+              <a:rPr lang="ko-KR" altLang="en-US" sz="1400" dirty="0" smtClean="0"/>
+              <a:t>생각해보니 한번 </a:t>
+            </a:r>
+            <a:r>
+              <a:rPr lang="ko-KR" altLang="en-US" sz="1400" dirty="0" err="1" smtClean="0"/>
+              <a:t>수정했었는데</a:t>
+            </a:r>
+            <a:r>
+              <a:rPr lang="en-US" altLang="ko-KR" sz="1400" dirty="0" smtClean="0"/>
+              <a:t>,</a:t>
+            </a:r>
+            <a:r>
+              <a:rPr lang="ko-KR" altLang="en-US" sz="1400" dirty="0" smtClean="0"/>
+              <a:t> 메인 쪽 팝업과 </a:t>
+            </a:r>
+            <a:r>
+              <a:rPr lang="ko-KR" altLang="en-US" sz="1400" dirty="0" err="1" smtClean="0"/>
+              <a:t>푸터</a:t>
+            </a:r>
+            <a:r>
+              <a:rPr lang="ko-KR" altLang="en-US" sz="1400" dirty="0" smtClean="0"/>
+              <a:t> 수정하면서 제가 이 부분을 </a:t>
+            </a:r>
+            <a:r>
+              <a:rPr lang="ko-KR" altLang="en-US" sz="1400" dirty="0" err="1" smtClean="0"/>
+              <a:t>생각못하고</a:t>
+            </a:r>
+            <a:endParaRPr lang="en-US" altLang="ko-KR" sz="1400" dirty="0" smtClean="0"/>
+          </a:p>
+          <a:p>
+            <a:pPr>
+              <a:lnSpc>
+                <a:spcPct val="150000"/>
+              </a:lnSpc>
+            </a:pPr>
+            <a:r>
+              <a:rPr lang="ko-KR" altLang="en-US" sz="1400" dirty="0" smtClean="0"/>
+              <a:t>예전으로 돌린 것 같습니다</a:t>
+            </a:r>
+            <a:r>
+              <a:rPr lang="en-US" altLang="ko-KR" sz="1400" dirty="0" smtClean="0"/>
+              <a:t>.</a:t>
+            </a:r>
+          </a:p>
+        </p:txBody>
+      </p:sp>
+      <p:pic>
+        <p:nvPicPr>
+          <p:cNvPr id="4" name="그림 3"/>
+          <p:cNvPicPr>
+            <a:picLocks noChangeAspect="1"/>
+          </p:cNvPicPr>
+          <p:nvPr/>
+        </p:nvPicPr>
+        <p:blipFill>
+          <a:blip r:embed="rId2"/>
+          <a:stretch>
+            <a:fillRect/>
+          </a:stretch>
+        </p:blipFill>
+        <p:spPr>
+          <a:xfrm>
+            <a:off x="814318" y="1026826"/>
+            <a:ext cx="2675263" cy="5522882"/>
+          </a:xfrm>
+          <a:prstGeom prst="rect">
+            <a:avLst/>
+          </a:prstGeom>
+        </p:spPr>
+      </p:pic>
+      <p:cxnSp>
+        <p:nvCxnSpPr>
+          <p:cNvPr id="6" name="직선 화살표 연결선 5"/>
+          <p:cNvCxnSpPr/>
+          <p:nvPr/>
+        </p:nvCxnSpPr>
+        <p:spPr>
+          <a:xfrm flipH="1">
+            <a:off x="3665095" y="6294857"/>
+            <a:ext cx="801974" cy="0"/>
+          </a:xfrm>
+          <a:prstGeom prst="straightConnector1">
+            <a:avLst/>
+          </a:prstGeom>
+          <a:ln>
+            <a:tailEnd type="triangle"/>
+          </a:ln>
+        </p:spPr>
+        <p:style>
+          <a:lnRef idx="1">
+            <a:schemeClr val="accent1"/>
+          </a:lnRef>
+          <a:fillRef idx="0">
+            <a:schemeClr val="accent1"/>
+          </a:fillRef>
+          <a:effectRef idx="0">
+            <a:schemeClr val="accent1"/>
+          </a:effectRef>
+          <a:fontRef idx="minor">
+            <a:schemeClr val="tx1"/>
+          </a:fontRef>
+        </p:style>
+      </p:cxnSp>
+      <p:pic>
+        <p:nvPicPr>
+          <p:cNvPr id="7" name="그림 6"/>
+          <p:cNvPicPr>
+            <a:picLocks noChangeAspect="1"/>
+          </p:cNvPicPr>
+          <p:nvPr/>
+        </p:nvPicPr>
+        <p:blipFill>
+          <a:blip r:embed="rId3"/>
+          <a:stretch>
+            <a:fillRect/>
+          </a:stretch>
+        </p:blipFill>
+        <p:spPr>
+          <a:xfrm>
+            <a:off x="7030386" y="2956261"/>
+            <a:ext cx="3385902" cy="1664012"/>
+          </a:xfrm>
+          <a:prstGeom prst="rect">
+            <a:avLst/>
+          </a:prstGeom>
+        </p:spPr>
+      </p:pic>
+      <p:cxnSp>
+        <p:nvCxnSpPr>
+          <p:cNvPr id="14" name="직선 화살표 연결선 13"/>
+          <p:cNvCxnSpPr/>
+          <p:nvPr/>
+        </p:nvCxnSpPr>
+        <p:spPr>
+          <a:xfrm flipV="1">
+            <a:off x="8874177" y="4676931"/>
+            <a:ext cx="0" cy="861935"/>
+          </a:xfrm>
+          <a:prstGeom prst="straightConnector1">
+            <a:avLst/>
+          </a:prstGeom>
+          <a:ln>
+            <a:tailEnd type="triangle"/>
+          </a:ln>
+        </p:spPr>
+        <p:style>
+          <a:lnRef idx="1">
+            <a:schemeClr val="accent1"/>
+          </a:lnRef>
+          <a:fillRef idx="0">
+            <a:schemeClr val="accent1"/>
+          </a:fillRef>
+          <a:effectRef idx="0">
+            <a:schemeClr val="accent1"/>
+          </a:effectRef>
+          <a:fontRef idx="minor">
+            <a:schemeClr val="tx1"/>
+          </a:fontRef>
+        </p:style>
+      </p:cxnSp>
+    </p:spTree>
+    <p:extLst>
+      <p:ext uri="{BB962C8B-B14F-4D97-AF65-F5344CB8AC3E}">
+        <p14:creationId xmlns:p14="http://schemas.microsoft.com/office/powerpoint/2010/main" val="2782627076"/>
       </p:ext>
     </p:extLst>
   </p:cSld>

--- a/ppt/04-01.pptx
+++ b/ppt/04-01.pptx
@@ -3194,7 +3194,6 @@
               <a:rPr lang="en-US" altLang="ko-KR" dirty="0"/>
               <a:t>UI-SJN-70-002L</a:t>
             </a:r>
-            <a:endParaRPr lang="en-US" altLang="ko-KR" dirty="0"/>
           </a:p>
         </p:txBody>
       </p:sp>
@@ -3349,7 +3348,6 @@
               <a:rPr lang="en-US" altLang="ko-KR" dirty="0"/>
               <a:t>UI-SJN-35-001L</a:t>
             </a:r>
-            <a:endParaRPr lang="en-US" altLang="ko-KR" dirty="0"/>
           </a:p>
         </p:txBody>
       </p:sp>
@@ -3571,34 +3569,9 @@
               <a:rPr lang="en-US" altLang="ko-KR" dirty="0"/>
               <a:t>UI-SJN-24-001L</a:t>
             </a:r>
-            <a:endParaRPr lang="en-US" altLang="ko-KR" dirty="0"/>
-          </a:p>
-        </p:txBody>
-      </p:sp>
-      <p:pic>
-        <p:nvPicPr>
-          <p:cNvPr id="2" name="그림 1"/>
-          <p:cNvPicPr>
-            <a:picLocks noChangeAspect="1"/>
-          </p:cNvPicPr>
-          <p:nvPr/>
-        </p:nvPicPr>
-        <p:blipFill>
-          <a:blip r:embed="rId2"/>
-          <a:stretch>
-            <a:fillRect/>
-          </a:stretch>
-        </p:blipFill>
-        <p:spPr>
-          <a:xfrm>
-            <a:off x="711338" y="1344687"/>
-            <a:ext cx="4353533" cy="3029373"/>
-          </a:xfrm>
-          <a:prstGeom prst="rect">
-            <a:avLst/>
-          </a:prstGeom>
-        </p:spPr>
-      </p:pic>
+          </a:p>
+        </p:txBody>
+      </p:sp>
       <p:sp>
         <p:nvSpPr>
           <p:cNvPr id="4" name="TextBox 3"/>
@@ -3607,8 +3580,8 @@
         </p:nvSpPr>
         <p:spPr>
           <a:xfrm>
-            <a:off x="6078512" y="2405921"/>
-            <a:ext cx="3594254" cy="369332"/>
+            <a:off x="6917962" y="1990499"/>
+            <a:ext cx="2925801" cy="1020216"/>
           </a:xfrm>
           <a:prstGeom prst="rect">
             <a:avLst/>
@@ -3621,59 +3594,218 @@
           </a:bodyPr>
           <a:lstStyle/>
           <a:p>
-            <a:r>
-              <a:rPr lang="ko-KR" altLang="en-US" dirty="0" smtClean="0">
-                <a:solidFill>
-                  <a:srgbClr val="FF0000"/>
-                </a:solidFill>
-              </a:rPr>
-              <a:t>줌으로 사이즈 줄인 메뉴 작업 중</a:t>
-            </a:r>
-            <a:endParaRPr lang="ko-KR" altLang="en-US" dirty="0">
-              <a:solidFill>
-                <a:srgbClr val="FF0000"/>
-              </a:solidFill>
-            </a:endParaRPr>
-          </a:p>
-        </p:txBody>
-      </p:sp>
-      <p:sp>
-        <p:nvSpPr>
-          <p:cNvPr id="5" name="직사각형 4"/>
-          <p:cNvSpPr/>
-          <p:nvPr/>
-        </p:nvSpPr>
-        <p:spPr>
-          <a:xfrm>
-            <a:off x="2465882" y="3252866"/>
-            <a:ext cx="5299023" cy="1881265"/>
-          </a:xfrm>
-          <a:prstGeom prst="rect">
-            <a:avLst/>
-          </a:prstGeom>
+            <a:pPr>
+              <a:lnSpc>
+                <a:spcPct val="150000"/>
+              </a:lnSpc>
+            </a:pPr>
+            <a:r>
+              <a:rPr lang="ko-KR" altLang="en-US" sz="1400" dirty="0" smtClean="0"/>
+              <a:t>크기 줄였습니다</a:t>
+            </a:r>
+            <a:r>
+              <a:rPr lang="en-US" altLang="ko-KR" sz="1400" dirty="0" smtClean="0"/>
+              <a:t>.</a:t>
+            </a:r>
+          </a:p>
+          <a:p>
+            <a:pPr>
+              <a:lnSpc>
+                <a:spcPct val="150000"/>
+              </a:lnSpc>
+            </a:pPr>
+            <a:r>
+              <a:rPr lang="ko-KR" altLang="en-US" sz="1400" dirty="0" smtClean="0"/>
+              <a:t>여러가지 변경을 했습니다</a:t>
+            </a:r>
+            <a:r>
+              <a:rPr lang="en-US" altLang="ko-KR" sz="1400" dirty="0" smtClean="0"/>
+              <a:t>.</a:t>
+            </a:r>
+          </a:p>
+          <a:p>
+            <a:pPr>
+              <a:lnSpc>
+                <a:spcPct val="150000"/>
+              </a:lnSpc>
+            </a:pPr>
+            <a:r>
+              <a:rPr lang="ko-KR" altLang="en-US" sz="1400" dirty="0" smtClean="0"/>
+              <a:t>이상이 없는지 확인 부탁드립니다</a:t>
+            </a:r>
+            <a:r>
+              <a:rPr lang="en-US" altLang="ko-KR" sz="1400" dirty="0" smtClean="0"/>
+              <a:t>.</a:t>
+            </a:r>
+          </a:p>
+        </p:txBody>
+      </p:sp>
+      <p:graphicFrame>
+        <p:nvGraphicFramePr>
+          <p:cNvPr id="3" name="개체 2"/>
+          <p:cNvGraphicFramePr>
+            <a:graphicFrameLocks noChangeAspect="1"/>
+          </p:cNvGraphicFramePr>
+          <p:nvPr>
+            <p:extLst>
+              <p:ext uri="{D42A27DB-BD31-4B8C-83A1-F6EECF244321}">
+                <p14:modId xmlns:p14="http://schemas.microsoft.com/office/powerpoint/2010/main" val="1961584363"/>
+              </p:ext>
+            </p:extLst>
+          </p:nvPr>
+        </p:nvGraphicFramePr>
+        <p:xfrm>
+          <a:off x="738579" y="1264666"/>
+          <a:ext cx="4800288" cy="3222274"/>
+        </p:xfrm>
+        <a:graphic>
+          <a:graphicData uri="http://schemas.openxmlformats.org/presentationml/2006/ole">
+            <mc:AlternateContent xmlns:mc="http://schemas.openxmlformats.org/markup-compatibility/2006">
+              <mc:Choice xmlns:v="urn:schemas-microsoft-com:vml" Requires="v">
+                <p:oleObj spid="_x0000_s1026" name="Image" r:id="rId3" imgW="5752080" imgH="3860280" progId="Photoshop.Image.13">
+                  <p:embed/>
+                </p:oleObj>
+              </mc:Choice>
+              <mc:Fallback>
+                <p:oleObj name="Image" r:id="rId3" imgW="5752080" imgH="3860280" progId="Photoshop.Image.13">
+                  <p:embed/>
+                  <p:pic>
+                    <p:nvPicPr>
+                      <p:cNvPr id="0" name=""/>
+                      <p:cNvPicPr/>
+                      <p:nvPr/>
+                    </p:nvPicPr>
+                    <p:blipFill>
+                      <a:blip r:embed="rId4"/>
+                      <a:stretch>
+                        <a:fillRect/>
+                      </a:stretch>
+                    </p:blipFill>
+                    <p:spPr>
+                      <a:xfrm>
+                        <a:off x="738579" y="1264666"/>
+                        <a:ext cx="4800288" cy="3222274"/>
+                      </a:xfrm>
+                      <a:prstGeom prst="rect">
+                        <a:avLst/>
+                      </a:prstGeom>
+                    </p:spPr>
+                  </p:pic>
+                </p:oleObj>
+              </mc:Fallback>
+            </mc:AlternateContent>
+          </a:graphicData>
+        </a:graphic>
+      </p:graphicFrame>
+      <p:cxnSp>
+        <p:nvCxnSpPr>
+          <p:cNvPr id="7" name="직선 화살표 연결선 6"/>
+          <p:cNvCxnSpPr/>
+          <p:nvPr/>
+        </p:nvCxnSpPr>
+        <p:spPr>
+          <a:xfrm flipH="1" flipV="1">
+            <a:off x="5733738" y="2450892"/>
+            <a:ext cx="876924" cy="7495"/>
+          </a:xfrm>
+          <a:prstGeom prst="straightConnector1">
+            <a:avLst/>
+          </a:prstGeom>
+          <a:ln>
+            <a:tailEnd type="triangle"/>
+          </a:ln>
         </p:spPr>
         <p:style>
-          <a:lnRef idx="2">
-            <a:schemeClr val="accent1">
-              <a:shade val="50000"/>
-            </a:schemeClr>
+          <a:lnRef idx="1">
+            <a:schemeClr val="accent1"/>
           </a:lnRef>
-          <a:fillRef idx="1">
+          <a:fillRef idx="0">
             <a:schemeClr val="accent1"/>
           </a:fillRef>
           <a:effectRef idx="0">
             <a:schemeClr val="accent1"/>
           </a:effectRef>
           <a:fontRef idx="minor">
-            <a:schemeClr val="lt1"/>
+            <a:schemeClr val="tx1"/>
           </a:fontRef>
         </p:style>
-        <p:txBody>
-          <a:bodyPr rtlCol="0" anchor="ctr"/>
-          <a:lstStyle/>
-          <a:p>
-            <a:pPr algn="ctr"/>
-            <a:endParaRPr lang="ko-KR" altLang="en-US"/>
+      </p:cxnSp>
+      <p:cxnSp>
+        <p:nvCxnSpPr>
+          <p:cNvPr id="9" name="직선 화살표 연결선 8"/>
+          <p:cNvCxnSpPr/>
+          <p:nvPr/>
+        </p:nvCxnSpPr>
+        <p:spPr>
+          <a:xfrm flipH="1" flipV="1">
+            <a:off x="4699416" y="3410262"/>
+            <a:ext cx="1708879" cy="629587"/>
+          </a:xfrm>
+          <a:prstGeom prst="straightConnector1">
+            <a:avLst/>
+          </a:prstGeom>
+          <a:ln>
+            <a:tailEnd type="triangle"/>
+          </a:ln>
+        </p:spPr>
+        <p:style>
+          <a:lnRef idx="1">
+            <a:schemeClr val="accent1"/>
+          </a:lnRef>
+          <a:fillRef idx="0">
+            <a:schemeClr val="accent1"/>
+          </a:fillRef>
+          <a:effectRef idx="0">
+            <a:schemeClr val="accent1"/>
+          </a:effectRef>
+          <a:fontRef idx="minor">
+            <a:schemeClr val="tx1"/>
+          </a:fontRef>
+        </p:style>
+      </p:cxnSp>
+      <p:sp>
+        <p:nvSpPr>
+          <p:cNvPr id="11" name="TextBox 10"/>
+          <p:cNvSpPr txBox="1"/>
+          <p:nvPr/>
+        </p:nvSpPr>
+        <p:spPr>
+          <a:xfrm>
+            <a:off x="6408295" y="3847896"/>
+            <a:ext cx="2863284" cy="415498"/>
+          </a:xfrm>
+          <a:prstGeom prst="rect">
+            <a:avLst/>
+          </a:prstGeom>
+          <a:noFill/>
+        </p:spPr>
+        <p:txBody>
+          <a:bodyPr wrap="none" rtlCol="0">
+            <a:spAutoFit/>
+          </a:bodyPr>
+          <a:lstStyle/>
+          <a:p>
+            <a:pPr>
+              <a:lnSpc>
+                <a:spcPct val="150000"/>
+              </a:lnSpc>
+            </a:pPr>
+            <a:r>
+              <a:rPr lang="ko-KR" altLang="en-US" sz="1400" dirty="0" err="1" smtClean="0"/>
+              <a:t>두줄까지</a:t>
+            </a:r>
+            <a:r>
+              <a:rPr lang="ko-KR" altLang="en-US" sz="1400" dirty="0" smtClean="0"/>
+              <a:t> </a:t>
+            </a:r>
+            <a:r>
+              <a:rPr lang="ko-KR" altLang="en-US" sz="1400" dirty="0" smtClean="0"/>
+              <a:t>보이도록 수정했습니다</a:t>
+            </a:r>
+            <a:r>
+              <a:rPr lang="en-US" altLang="ko-KR" sz="1400" dirty="0" smtClean="0"/>
+              <a:t>.</a:t>
+            </a:r>
           </a:p>
         </p:txBody>
       </p:sp>
@@ -4964,7 +5096,6 @@
               <a:rPr lang="en-US" altLang="ko-KR" dirty="0"/>
               <a:t>UI-SJN-23-002L</a:t>
             </a:r>
-            <a:endParaRPr lang="en-US" altLang="ko-KR" dirty="0"/>
           </a:p>
         </p:txBody>
       </p:sp>
@@ -5306,7 +5437,6 @@
               <a:rPr lang="en-US" altLang="ko-KR" dirty="0"/>
               <a:t>UI-SJN-20-001U</a:t>
             </a:r>
-            <a:endParaRPr lang="en-US" altLang="ko-KR" dirty="0"/>
           </a:p>
         </p:txBody>
       </p:sp>
@@ -5399,7 +5529,6 @@
               <a:rPr lang="en-US" altLang="ko-KR" dirty="0"/>
               <a:t>UI-SJN-20-001U</a:t>
             </a:r>
-            <a:endParaRPr lang="en-US" altLang="ko-KR" dirty="0"/>
           </a:p>
         </p:txBody>
       </p:sp>
@@ -5477,7 +5606,6 @@
               <a:rPr lang="en-US" altLang="ko-KR" sz="1400" dirty="0"/>
               <a:t>UI-SJN-23-002L</a:t>
             </a:r>
-            <a:endParaRPr lang="en-US" altLang="ko-KR" sz="1400" dirty="0"/>
           </a:p>
         </p:txBody>
       </p:sp>
@@ -5578,7 +5706,6 @@
               <a:rPr lang="en-US" altLang="ko-KR" dirty="0"/>
               <a:t>UI-SJN-42-001L</a:t>
             </a:r>
-            <a:endParaRPr lang="en-US" altLang="ko-KR" dirty="0"/>
           </a:p>
         </p:txBody>
       </p:sp>
